--- a/Chip U/Quick scatters and histograms of W and T 200mV.pptx
+++ b/Chip U/Quick scatters and histograms of W and T 200mV.pptx
@@ -5,11 +5,15 @@
     <p:sldMasterId id="2147483648" r:id="rId1"/>
   </p:sldMasterIdLst>
   <p:sldIdLst>
-    <p:sldId id="257" r:id="rId2"/>
-    <p:sldId id="258" r:id="rId3"/>
-    <p:sldId id="259" r:id="rId4"/>
-    <p:sldId id="260" r:id="rId5"/>
-    <p:sldId id="261" r:id="rId6"/>
+    <p:sldId id="264" r:id="rId2"/>
+    <p:sldId id="257" r:id="rId3"/>
+    <p:sldId id="258" r:id="rId4"/>
+    <p:sldId id="259" r:id="rId5"/>
+    <p:sldId id="260" r:id="rId6"/>
+    <p:sldId id="261" r:id="rId7"/>
+    <p:sldId id="266" r:id="rId8"/>
+    <p:sldId id="269" r:id="rId9"/>
+    <p:sldId id="270" r:id="rId10"/>
   </p:sldIdLst>
   <p:sldSz cx="12192000" cy="6858000"/>
   <p:notesSz cx="6858000" cy="9144000"/>
@@ -263,7 +267,7 @@
           <a:p>
             <a:fld id="{73792918-7B82-4707-9439-ECB5D561DBD2}" type="datetimeFigureOut">
               <a:rPr lang="en-US" smtClean="0"/>
-              <a:t>3/27/2022</a:t>
+              <a:t>4/6/2022</a:t>
             </a:fld>
             <a:endParaRPr lang="en-US"/>
           </a:p>
@@ -461,7 +465,7 @@
           <a:p>
             <a:fld id="{73792918-7B82-4707-9439-ECB5D561DBD2}" type="datetimeFigureOut">
               <a:rPr lang="en-US" smtClean="0"/>
-              <a:t>3/27/2022</a:t>
+              <a:t>4/6/2022</a:t>
             </a:fld>
             <a:endParaRPr lang="en-US"/>
           </a:p>
@@ -669,7 +673,7 @@
           <a:p>
             <a:fld id="{73792918-7B82-4707-9439-ECB5D561DBD2}" type="datetimeFigureOut">
               <a:rPr lang="en-US" smtClean="0"/>
-              <a:t>3/27/2022</a:t>
+              <a:t>4/6/2022</a:t>
             </a:fld>
             <a:endParaRPr lang="en-US"/>
           </a:p>
@@ -867,7 +871,7 @@
           <a:p>
             <a:fld id="{73792918-7B82-4707-9439-ECB5D561DBD2}" type="datetimeFigureOut">
               <a:rPr lang="en-US" smtClean="0"/>
-              <a:t>3/27/2022</a:t>
+              <a:t>4/6/2022</a:t>
             </a:fld>
             <a:endParaRPr lang="en-US"/>
           </a:p>
@@ -1142,7 +1146,7 @@
           <a:p>
             <a:fld id="{73792918-7B82-4707-9439-ECB5D561DBD2}" type="datetimeFigureOut">
               <a:rPr lang="en-US" smtClean="0"/>
-              <a:t>3/27/2022</a:t>
+              <a:t>4/6/2022</a:t>
             </a:fld>
             <a:endParaRPr lang="en-US"/>
           </a:p>
@@ -1407,7 +1411,7 @@
           <a:p>
             <a:fld id="{73792918-7B82-4707-9439-ECB5D561DBD2}" type="datetimeFigureOut">
               <a:rPr lang="en-US" smtClean="0"/>
-              <a:t>3/27/2022</a:t>
+              <a:t>4/6/2022</a:t>
             </a:fld>
             <a:endParaRPr lang="en-US"/>
           </a:p>
@@ -1819,7 +1823,7 @@
           <a:p>
             <a:fld id="{73792918-7B82-4707-9439-ECB5D561DBD2}" type="datetimeFigureOut">
               <a:rPr lang="en-US" smtClean="0"/>
-              <a:t>3/27/2022</a:t>
+              <a:t>4/6/2022</a:t>
             </a:fld>
             <a:endParaRPr lang="en-US"/>
           </a:p>
@@ -1960,7 +1964,7 @@
           <a:p>
             <a:fld id="{73792918-7B82-4707-9439-ECB5D561DBD2}" type="datetimeFigureOut">
               <a:rPr lang="en-US" smtClean="0"/>
-              <a:t>3/27/2022</a:t>
+              <a:t>4/6/2022</a:t>
             </a:fld>
             <a:endParaRPr lang="en-US"/>
           </a:p>
@@ -2073,7 +2077,7 @@
           <a:p>
             <a:fld id="{73792918-7B82-4707-9439-ECB5D561DBD2}" type="datetimeFigureOut">
               <a:rPr lang="en-US" smtClean="0"/>
-              <a:t>3/27/2022</a:t>
+              <a:t>4/6/2022</a:t>
             </a:fld>
             <a:endParaRPr lang="en-US"/>
           </a:p>
@@ -2384,7 +2388,7 @@
           <a:p>
             <a:fld id="{73792918-7B82-4707-9439-ECB5D561DBD2}" type="datetimeFigureOut">
               <a:rPr lang="en-US" smtClean="0"/>
-              <a:t>3/27/2022</a:t>
+              <a:t>4/6/2022</a:t>
             </a:fld>
             <a:endParaRPr lang="en-US"/>
           </a:p>
@@ -2672,7 +2676,7 @@
           <a:p>
             <a:fld id="{73792918-7B82-4707-9439-ECB5D561DBD2}" type="datetimeFigureOut">
               <a:rPr lang="en-US" smtClean="0"/>
-              <a:t>3/27/2022</a:t>
+              <a:t>4/6/2022</a:t>
             </a:fld>
             <a:endParaRPr lang="en-US"/>
           </a:p>
@@ -2913,7 +2917,7 @@
           <a:p>
             <a:fld id="{73792918-7B82-4707-9439-ECB5D561DBD2}" type="datetimeFigureOut">
               <a:rPr lang="en-US" smtClean="0"/>
-              <a:t>3/27/2022</a:t>
+              <a:t>4/6/2022</a:t>
             </a:fld>
             <a:endParaRPr lang="en-US"/>
           </a:p>
@@ -3335,7 +3339,7 @@
           <p:cNvPr id="2" name="Title 1">
             <a:extLst>
               <a:ext uri="{FF2B5EF4-FFF2-40B4-BE49-F238E27FC236}">
-                <a16:creationId xmlns:a16="http://schemas.microsoft.com/office/drawing/2014/main" id="{FAFDC720-6360-48F6-ABAF-647F3EC6E259}"/>
+                <a16:creationId xmlns:a16="http://schemas.microsoft.com/office/drawing/2014/main" id="{969C6CDE-CFE1-48CF-8C97-DD3226999693}"/>
               </a:ext>
             </a:extLst>
           </p:cNvPr>
@@ -3353,110 +3357,40 @@
           <a:p>
             <a:r>
               <a:rPr lang="en-US" dirty="0"/>
-              <a:t>W event 1-5 dwell time vs. W2 current depth and 1-5 dwell time vs. W4 current depth</a:t>
-            </a:r>
-          </a:p>
-        </p:txBody>
-      </p:sp>
-      <p:pic>
-        <p:nvPicPr>
-          <p:cNvPr id="5" name="Picture 4">
-            <a:extLst>
-              <a:ext uri="{FF2B5EF4-FFF2-40B4-BE49-F238E27FC236}">
-                <a16:creationId xmlns:a16="http://schemas.microsoft.com/office/drawing/2014/main" id="{53807260-74DD-4BBD-B229-4F04B098F168}"/>
-              </a:ext>
-            </a:extLst>
-          </p:cNvPr>
-          <p:cNvPicPr>
-            <a:picLocks noChangeAspect="1"/>
-          </p:cNvPicPr>
-          <p:nvPr/>
-        </p:nvPicPr>
-        <p:blipFill>
-          <a:blip r:embed="rId2"/>
-          <a:stretch>
-            <a:fillRect/>
-          </a:stretch>
-        </p:blipFill>
-        <p:spPr>
-          <a:xfrm>
-            <a:off x="1138342" y="2077843"/>
-            <a:ext cx="4957658" cy="3840589"/>
-          </a:xfrm>
-          <a:prstGeom prst="rect">
-            <a:avLst/>
-          </a:prstGeom>
-        </p:spPr>
-      </p:pic>
-      <p:pic>
-        <p:nvPicPr>
-          <p:cNvPr id="7" name="Picture 6">
-            <a:extLst>
-              <a:ext uri="{FF2B5EF4-FFF2-40B4-BE49-F238E27FC236}">
-                <a16:creationId xmlns:a16="http://schemas.microsoft.com/office/drawing/2014/main" id="{60F4AB4B-222C-41E2-B581-49B12A94AC86}"/>
-              </a:ext>
-            </a:extLst>
-          </p:cNvPr>
-          <p:cNvPicPr>
-            <a:picLocks noChangeAspect="1"/>
-          </p:cNvPicPr>
-          <p:nvPr/>
-        </p:nvPicPr>
-        <p:blipFill>
-          <a:blip r:embed="rId3"/>
-          <a:stretch>
-            <a:fillRect/>
-          </a:stretch>
-        </p:blipFill>
-        <p:spPr>
-          <a:xfrm>
-            <a:off x="6484521" y="2077843"/>
-            <a:ext cx="4770193" cy="3840589"/>
-          </a:xfrm>
-          <a:prstGeom prst="rect">
-            <a:avLst/>
-          </a:prstGeom>
-        </p:spPr>
-      </p:pic>
-      <p:sp>
-        <p:nvSpPr>
-          <p:cNvPr id="8" name="TextBox 7">
-            <a:extLst>
-              <a:ext uri="{FF2B5EF4-FFF2-40B4-BE49-F238E27FC236}">
-                <a16:creationId xmlns:a16="http://schemas.microsoft.com/office/drawing/2014/main" id="{4D1838C9-E09A-483F-949C-D318AD3AF883}"/>
-              </a:ext>
-            </a:extLst>
-          </p:cNvPr>
-          <p:cNvSpPr txBox="1"/>
-          <p:nvPr/>
-        </p:nvSpPr>
-        <p:spPr>
-          <a:xfrm>
-            <a:off x="5053379" y="1590434"/>
-            <a:ext cx="3816238" cy="369332"/>
-          </a:xfrm>
-          <a:prstGeom prst="rect">
-            <a:avLst/>
-          </a:prstGeom>
-          <a:noFill/>
-        </p:spPr>
-        <p:txBody>
-          <a:bodyPr wrap="none" rtlCol="0">
-            <a:spAutoFit/>
-          </a:bodyPr>
-          <a:lstStyle/>
-          <a:p>
-            <a:r>
-              <a:rPr lang="en-US" dirty="0"/>
-              <a:t>(pretty much the same current depths)</a:t>
-            </a:r>
+              <a:t>200 mV (Slides 2-6) </a:t>
+            </a:r>
+          </a:p>
+        </p:txBody>
+      </p:sp>
+      <p:sp>
+        <p:nvSpPr>
+          <p:cNvPr id="3" name="Text Placeholder 2">
+            <a:extLst>
+              <a:ext uri="{FF2B5EF4-FFF2-40B4-BE49-F238E27FC236}">
+                <a16:creationId xmlns:a16="http://schemas.microsoft.com/office/drawing/2014/main" id="{853C61C1-1743-4E42-A98B-5868AD6CF757}"/>
+              </a:ext>
+            </a:extLst>
+          </p:cNvPr>
+          <p:cNvSpPr>
+            <a:spLocks noGrp="1"/>
+          </p:cNvSpPr>
+          <p:nvPr>
+            <p:ph type="body" idx="1"/>
+          </p:nvPr>
+        </p:nvSpPr>
+        <p:spPr/>
+        <p:txBody>
+          <a:bodyPr/>
+          <a:lstStyle/>
+          <a:p>
+            <a:endParaRPr lang="en-US"/>
           </a:p>
         </p:txBody>
       </p:sp>
     </p:spTree>
     <p:extLst>
       <p:ext uri="{BB962C8B-B14F-4D97-AF65-F5344CB8AC3E}">
-        <p14:creationId xmlns:p14="http://schemas.microsoft.com/office/powerpoint/2010/main" val="1215240610"/>
+        <p14:creationId xmlns:p14="http://schemas.microsoft.com/office/powerpoint/2010/main" val="635082267"/>
       </p:ext>
     </p:extLst>
   </p:cSld>
@@ -3488,7 +3422,7 @@
           <p:cNvPr id="2" name="Title 1">
             <a:extLst>
               <a:ext uri="{FF2B5EF4-FFF2-40B4-BE49-F238E27FC236}">
-                <a16:creationId xmlns:a16="http://schemas.microsoft.com/office/drawing/2014/main" id="{C2EDED53-BC60-479B-A32E-CD1DCCF2D9EE}"/>
+                <a16:creationId xmlns:a16="http://schemas.microsoft.com/office/drawing/2014/main" id="{FAFDC720-6360-48F6-ABAF-647F3EC6E259}"/>
               </a:ext>
             </a:extLst>
           </p:cNvPr>
@@ -3506,7 +3440,7 @@
           <a:p>
             <a:r>
               <a:rPr lang="en-US" dirty="0"/>
-              <a:t>T event 1-5 dwell time vs. T3 current depth</a:t>
+              <a:t>W event 1-5 dwell time vs. W2 current depth and 1-5 dwell time vs. W4 current depth</a:t>
             </a:r>
           </a:p>
         </p:txBody>
@@ -3516,7 +3450,7 @@
           <p:cNvPr id="5" name="Picture 4">
             <a:extLst>
               <a:ext uri="{FF2B5EF4-FFF2-40B4-BE49-F238E27FC236}">
-                <a16:creationId xmlns:a16="http://schemas.microsoft.com/office/drawing/2014/main" id="{1D057705-FCC2-415A-920F-E4869C923B17}"/>
+                <a16:creationId xmlns:a16="http://schemas.microsoft.com/office/drawing/2014/main" id="{53807260-74DD-4BBD-B229-4F04B098F168}"/>
               </a:ext>
             </a:extLst>
           </p:cNvPr>
@@ -3533,20 +3467,50 @@
         </p:blipFill>
         <p:spPr>
           <a:xfrm>
-            <a:off x="2402924" y="1921835"/>
-            <a:ext cx="5063279" cy="3963042"/>
+            <a:off x="1138342" y="2077843"/>
+            <a:ext cx="4957658" cy="3840589"/>
           </a:xfrm>
           <a:prstGeom prst="rect">
             <a:avLst/>
           </a:prstGeom>
         </p:spPr>
       </p:pic>
-      <p:sp>
-        <p:nvSpPr>
-          <p:cNvPr id="6" name="TextBox 5">
-            <a:extLst>
-              <a:ext uri="{FF2B5EF4-FFF2-40B4-BE49-F238E27FC236}">
-                <a16:creationId xmlns:a16="http://schemas.microsoft.com/office/drawing/2014/main" id="{B3E72096-EBF4-4396-9DBD-C636638939CF}"/>
+      <p:pic>
+        <p:nvPicPr>
+          <p:cNvPr id="7" name="Picture 6">
+            <a:extLst>
+              <a:ext uri="{FF2B5EF4-FFF2-40B4-BE49-F238E27FC236}">
+                <a16:creationId xmlns:a16="http://schemas.microsoft.com/office/drawing/2014/main" id="{60F4AB4B-222C-41E2-B581-49B12A94AC86}"/>
+              </a:ext>
+            </a:extLst>
+          </p:cNvPr>
+          <p:cNvPicPr>
+            <a:picLocks noChangeAspect="1"/>
+          </p:cNvPicPr>
+          <p:nvPr/>
+        </p:nvPicPr>
+        <p:blipFill>
+          <a:blip r:embed="rId3"/>
+          <a:stretch>
+            <a:fillRect/>
+          </a:stretch>
+        </p:blipFill>
+        <p:spPr>
+          <a:xfrm>
+            <a:off x="6484521" y="2077843"/>
+            <a:ext cx="4770193" cy="3840589"/>
+          </a:xfrm>
+          <a:prstGeom prst="rect">
+            <a:avLst/>
+          </a:prstGeom>
+        </p:spPr>
+      </p:pic>
+      <p:sp>
+        <p:nvSpPr>
+          <p:cNvPr id="8" name="TextBox 7">
+            <a:extLst>
+              <a:ext uri="{FF2B5EF4-FFF2-40B4-BE49-F238E27FC236}">
+                <a16:creationId xmlns:a16="http://schemas.microsoft.com/office/drawing/2014/main" id="{4D1838C9-E09A-483F-949C-D318AD3AF883}"/>
               </a:ext>
             </a:extLst>
           </p:cNvPr>
@@ -3555,8 +3519,8 @@
         </p:nvSpPr>
         <p:spPr>
           <a:xfrm>
-            <a:off x="8028264" y="2709644"/>
-            <a:ext cx="3325536" cy="1200329"/>
+            <a:off x="5053379" y="1590434"/>
+            <a:ext cx="3816238" cy="369332"/>
           </a:xfrm>
           <a:prstGeom prst="rect">
             <a:avLst/>
@@ -3564,14 +3528,14 @@
           <a:noFill/>
         </p:spPr>
         <p:txBody>
-          <a:bodyPr wrap="square" rtlCol="0">
+          <a:bodyPr wrap="none" rtlCol="0">
             <a:spAutoFit/>
           </a:bodyPr>
           <a:lstStyle/>
           <a:p>
             <a:r>
               <a:rPr lang="en-US" dirty="0"/>
-              <a:t>Pretty large current depth spread—this is even after I subtracted all the points by the depth of point 1 (the baseline). </a:t>
+              <a:t>(pretty much the same current depths)</a:t>
             </a:r>
           </a:p>
         </p:txBody>
@@ -3579,7 +3543,7 @@
     </p:spTree>
     <p:extLst>
       <p:ext uri="{BB962C8B-B14F-4D97-AF65-F5344CB8AC3E}">
-        <p14:creationId xmlns:p14="http://schemas.microsoft.com/office/powerpoint/2010/main" val="3071832707"/>
+        <p14:creationId xmlns:p14="http://schemas.microsoft.com/office/powerpoint/2010/main" val="1215240610"/>
       </p:ext>
     </p:extLst>
   </p:cSld>
@@ -3611,7 +3575,7 @@
           <p:cNvPr id="2" name="Title 1">
             <a:extLst>
               <a:ext uri="{FF2B5EF4-FFF2-40B4-BE49-F238E27FC236}">
-                <a16:creationId xmlns:a16="http://schemas.microsoft.com/office/drawing/2014/main" id="{52D8EE16-FD55-463C-BE7F-4396C578F5AC}"/>
+                <a16:creationId xmlns:a16="http://schemas.microsoft.com/office/drawing/2014/main" id="{C2EDED53-BC60-479B-A32E-CD1DCCF2D9EE}"/>
               </a:ext>
             </a:extLst>
           </p:cNvPr>
@@ -3628,20 +3592,8 @@
           <a:lstStyle/>
           <a:p>
             <a:r>
-              <a:rPr lang="en-US" b="1" dirty="0"/>
-              <a:t>(</a:t>
-            </a:r>
-            <a:r>
-              <a:rPr lang="en-US" b="1" dirty="0" err="1"/>
-              <a:t>SiNx</a:t>
-            </a:r>
-            <a:r>
-              <a:rPr lang="en-US" b="1" dirty="0"/>
-              <a:t>) </a:t>
-            </a:r>
-            <a:r>
               <a:rPr lang="en-US" dirty="0"/>
-              <a:t>W event 1-3 dwell time histogram and T event 1-4 dwell time histogram</a:t>
+              <a:t>T event 1-5 dwell time vs. T3 current depth</a:t>
             </a:r>
           </a:p>
         </p:txBody>
@@ -3651,7 +3603,7 @@
           <p:cNvPr id="5" name="Picture 4">
             <a:extLst>
               <a:ext uri="{FF2B5EF4-FFF2-40B4-BE49-F238E27FC236}">
-                <a16:creationId xmlns:a16="http://schemas.microsoft.com/office/drawing/2014/main" id="{C1405C67-1BB0-449F-982D-0B7BD756B902}"/>
+                <a16:creationId xmlns:a16="http://schemas.microsoft.com/office/drawing/2014/main" id="{1D057705-FCC2-415A-920F-E4869C923B17}"/>
               </a:ext>
             </a:extLst>
           </p:cNvPr>
@@ -3668,110 +3620,20 @@
         </p:blipFill>
         <p:spPr>
           <a:xfrm>
-            <a:off x="1231750" y="2250502"/>
-            <a:ext cx="3046159" cy="2611511"/>
+            <a:off x="2402924" y="1921835"/>
+            <a:ext cx="5063279" cy="3963042"/>
           </a:xfrm>
           <a:prstGeom prst="rect">
             <a:avLst/>
           </a:prstGeom>
         </p:spPr>
       </p:pic>
-      <p:pic>
-        <p:nvPicPr>
-          <p:cNvPr id="7" name="Picture 6">
-            <a:extLst>
-              <a:ext uri="{FF2B5EF4-FFF2-40B4-BE49-F238E27FC236}">
-                <a16:creationId xmlns:a16="http://schemas.microsoft.com/office/drawing/2014/main" id="{C2533B95-E5BA-4C2C-B4C3-6CBB1E19C068}"/>
-              </a:ext>
-            </a:extLst>
-          </p:cNvPr>
-          <p:cNvPicPr>
-            <a:picLocks noChangeAspect="1"/>
-          </p:cNvPicPr>
-          <p:nvPr/>
-        </p:nvPicPr>
-        <p:blipFill>
-          <a:blip r:embed="rId3"/>
-          <a:stretch>
-            <a:fillRect/>
-          </a:stretch>
-        </p:blipFill>
-        <p:spPr>
-          <a:xfrm>
-            <a:off x="6550055" y="2355475"/>
-            <a:ext cx="3130840" cy="2661030"/>
-          </a:xfrm>
-          <a:prstGeom prst="rect">
-            <a:avLst/>
-          </a:prstGeom>
-        </p:spPr>
-      </p:pic>
-      <p:pic>
-        <p:nvPicPr>
-          <p:cNvPr id="9" name="Picture 8">
-            <a:extLst>
-              <a:ext uri="{FF2B5EF4-FFF2-40B4-BE49-F238E27FC236}">
-                <a16:creationId xmlns:a16="http://schemas.microsoft.com/office/drawing/2014/main" id="{0D5A09D0-C421-4F91-8D11-E171C79EE46D}"/>
-              </a:ext>
-            </a:extLst>
-          </p:cNvPr>
-          <p:cNvPicPr>
-            <a:picLocks noChangeAspect="1"/>
-          </p:cNvPicPr>
-          <p:nvPr/>
-        </p:nvPicPr>
-        <p:blipFill>
-          <a:blip r:embed="rId4"/>
-          <a:stretch>
-            <a:fillRect/>
-          </a:stretch>
-        </p:blipFill>
-        <p:spPr>
-          <a:xfrm>
-            <a:off x="9952060" y="3303977"/>
-            <a:ext cx="1829960" cy="1568537"/>
-          </a:xfrm>
-          <a:prstGeom prst="rect">
-            <a:avLst/>
-          </a:prstGeom>
-        </p:spPr>
-      </p:pic>
-      <p:pic>
-        <p:nvPicPr>
-          <p:cNvPr id="12" name="Picture 11">
-            <a:extLst>
-              <a:ext uri="{FF2B5EF4-FFF2-40B4-BE49-F238E27FC236}">
-                <a16:creationId xmlns:a16="http://schemas.microsoft.com/office/drawing/2014/main" id="{FB6C1E53-96E7-4CF7-A201-8F1138CF4DAF}"/>
-              </a:ext>
-            </a:extLst>
-          </p:cNvPr>
-          <p:cNvPicPr>
-            <a:picLocks noChangeAspect="1"/>
-          </p:cNvPicPr>
-          <p:nvPr/>
-        </p:nvPicPr>
-        <p:blipFill>
-          <a:blip r:embed="rId5"/>
-          <a:stretch>
-            <a:fillRect/>
-          </a:stretch>
-        </p:blipFill>
-        <p:spPr>
-          <a:xfrm>
-            <a:off x="4373240" y="3216609"/>
-            <a:ext cx="1829961" cy="1585092"/>
-          </a:xfrm>
-          <a:prstGeom prst="rect">
-            <a:avLst/>
-          </a:prstGeom>
-        </p:spPr>
-      </p:pic>
-      <p:sp>
-        <p:nvSpPr>
-          <p:cNvPr id="13" name="TextBox 12">
-            <a:extLst>
-              <a:ext uri="{FF2B5EF4-FFF2-40B4-BE49-F238E27FC236}">
-                <a16:creationId xmlns:a16="http://schemas.microsoft.com/office/drawing/2014/main" id="{5759783F-7DE9-4BEA-9435-5DFC905C9E68}"/>
+      <p:sp>
+        <p:nvSpPr>
+          <p:cNvPr id="6" name="TextBox 5">
+            <a:extLst>
+              <a:ext uri="{FF2B5EF4-FFF2-40B4-BE49-F238E27FC236}">
+                <a16:creationId xmlns:a16="http://schemas.microsoft.com/office/drawing/2014/main" id="{B3E72096-EBF4-4396-9DBD-C636638939CF}"/>
               </a:ext>
             </a:extLst>
           </p:cNvPr>
@@ -3780,8 +3642,8 @@
         </p:nvSpPr>
         <p:spPr>
           <a:xfrm>
-            <a:off x="4297174" y="4825225"/>
-            <a:ext cx="2024871" cy="261610"/>
+            <a:off x="8028264" y="2709644"/>
+            <a:ext cx="3325536" cy="1200329"/>
           </a:xfrm>
           <a:prstGeom prst="rect">
             <a:avLst/>
@@ -3795,302 +3657,8 @@
           <a:lstStyle/>
           <a:p>
             <a:r>
-              <a:rPr lang="en-US" sz="1100" dirty="0"/>
-              <a:t>(with twice the number of bins)</a:t>
-            </a:r>
-          </a:p>
-        </p:txBody>
-      </p:sp>
-      <p:sp>
-        <p:nvSpPr>
-          <p:cNvPr id="14" name="TextBox 13">
-            <a:extLst>
-              <a:ext uri="{FF2B5EF4-FFF2-40B4-BE49-F238E27FC236}">
-                <a16:creationId xmlns:a16="http://schemas.microsoft.com/office/drawing/2014/main" id="{7BB9FC06-C5FD-4F24-AEFA-77A3AA56E1BA}"/>
-              </a:ext>
-            </a:extLst>
-          </p:cNvPr>
-          <p:cNvSpPr txBox="1"/>
-          <p:nvPr/>
-        </p:nvSpPr>
-        <p:spPr>
-          <a:xfrm>
-            <a:off x="9932632" y="4862013"/>
-            <a:ext cx="2077397" cy="261610"/>
-          </a:xfrm>
-          <a:prstGeom prst="rect">
-            <a:avLst/>
-          </a:prstGeom>
-          <a:noFill/>
-        </p:spPr>
-        <p:txBody>
-          <a:bodyPr wrap="square" rtlCol="0">
-            <a:spAutoFit/>
-          </a:bodyPr>
-          <a:lstStyle/>
-          <a:p>
-            <a:r>
-              <a:rPr lang="en-US" sz="1100" dirty="0"/>
-              <a:t>(with twice the number of bins)</a:t>
-            </a:r>
-          </a:p>
-        </p:txBody>
-      </p:sp>
-      <p:sp>
-        <p:nvSpPr>
-          <p:cNvPr id="15" name="TextBox 14">
-            <a:extLst>
-              <a:ext uri="{FF2B5EF4-FFF2-40B4-BE49-F238E27FC236}">
-                <a16:creationId xmlns:a16="http://schemas.microsoft.com/office/drawing/2014/main" id="{499B90E9-9B51-47F3-B279-8340BDB07DCA}"/>
-              </a:ext>
-            </a:extLst>
-          </p:cNvPr>
-          <p:cNvSpPr txBox="1"/>
-          <p:nvPr/>
-        </p:nvSpPr>
-        <p:spPr>
-          <a:xfrm>
-            <a:off x="2071609" y="1601888"/>
-            <a:ext cx="9491291" cy="646331"/>
-          </a:xfrm>
-          <a:prstGeom prst="rect">
-            <a:avLst/>
-          </a:prstGeom>
-          <a:noFill/>
-        </p:spPr>
-        <p:txBody>
-          <a:bodyPr wrap="square" rtlCol="0">
-            <a:spAutoFit/>
-          </a:bodyPr>
-          <a:lstStyle/>
-          <a:p>
-            <a:r>
               <a:rPr lang="en-US" dirty="0"/>
-              <a:t>It seems like the length of time that DNA is in the </a:t>
-            </a:r>
-            <a:r>
-              <a:rPr lang="en-US" dirty="0" err="1"/>
-              <a:t>SiNx</a:t>
-            </a:r>
-            <a:r>
-              <a:rPr lang="en-US" dirty="0"/>
-              <a:t> pore is longer for a T event (though it could be explained that the DNA is longer since W is short DNA?)</a:t>
-            </a:r>
-          </a:p>
-        </p:txBody>
-      </p:sp>
-      <p:sp>
-        <p:nvSpPr>
-          <p:cNvPr id="16" name="TextBox 15">
-            <a:extLst>
-              <a:ext uri="{FF2B5EF4-FFF2-40B4-BE49-F238E27FC236}">
-                <a16:creationId xmlns:a16="http://schemas.microsoft.com/office/drawing/2014/main" id="{A48B017E-E74C-4AC1-A05A-84EAF4AC9E0A}"/>
-              </a:ext>
-            </a:extLst>
-          </p:cNvPr>
-          <p:cNvSpPr txBox="1"/>
-          <p:nvPr/>
-        </p:nvSpPr>
-        <p:spPr>
-          <a:xfrm>
-            <a:off x="4277909" y="2355475"/>
-            <a:ext cx="1512605" cy="646331"/>
-          </a:xfrm>
-          <a:prstGeom prst="rect">
-            <a:avLst/>
-          </a:prstGeom>
-          <a:noFill/>
-        </p:spPr>
-        <p:txBody>
-          <a:bodyPr wrap="square" rtlCol="0">
-            <a:spAutoFit/>
-          </a:bodyPr>
-          <a:lstStyle/>
-          <a:p>
-            <a:r>
-              <a:rPr lang="en-US" dirty="0"/>
-              <a:t>Standard Dev: 0.0124</a:t>
-            </a:r>
-          </a:p>
-        </p:txBody>
-      </p:sp>
-      <p:sp>
-        <p:nvSpPr>
-          <p:cNvPr id="17" name="TextBox 16">
-            <a:extLst>
-              <a:ext uri="{FF2B5EF4-FFF2-40B4-BE49-F238E27FC236}">
-                <a16:creationId xmlns:a16="http://schemas.microsoft.com/office/drawing/2014/main" id="{8544B420-36AB-4E67-82D3-47E618C328C4}"/>
-              </a:ext>
-            </a:extLst>
-          </p:cNvPr>
-          <p:cNvSpPr txBox="1"/>
-          <p:nvPr/>
-        </p:nvSpPr>
-        <p:spPr>
-          <a:xfrm>
-            <a:off x="9752577" y="2375655"/>
-            <a:ext cx="1512605" cy="646331"/>
-          </a:xfrm>
-          <a:prstGeom prst="rect">
-            <a:avLst/>
-          </a:prstGeom>
-          <a:noFill/>
-        </p:spPr>
-        <p:txBody>
-          <a:bodyPr wrap="square" rtlCol="0">
-            <a:spAutoFit/>
-          </a:bodyPr>
-          <a:lstStyle/>
-          <a:p>
-            <a:r>
-              <a:rPr lang="en-US" dirty="0"/>
-              <a:t>Standard Dev: 0.0222</a:t>
-            </a:r>
-          </a:p>
-        </p:txBody>
-      </p:sp>
-      <p:pic>
-        <p:nvPicPr>
-          <p:cNvPr id="4" name="Picture 3">
-            <a:extLst>
-              <a:ext uri="{FF2B5EF4-FFF2-40B4-BE49-F238E27FC236}">
-                <a16:creationId xmlns:a16="http://schemas.microsoft.com/office/drawing/2014/main" id="{5CCD40D7-8C89-4FB5-B770-4E7A54619CA8}"/>
-              </a:ext>
-            </a:extLst>
-          </p:cNvPr>
-          <p:cNvPicPr>
-            <a:picLocks noChangeAspect="1"/>
-          </p:cNvPicPr>
-          <p:nvPr/>
-        </p:nvPicPr>
-        <p:blipFill>
-          <a:blip r:embed="rId6"/>
-          <a:stretch>
-            <a:fillRect/>
-          </a:stretch>
-        </p:blipFill>
-        <p:spPr>
-          <a:xfrm>
-            <a:off x="1262470" y="5016505"/>
-            <a:ext cx="2049847" cy="1693858"/>
-          </a:xfrm>
-          <a:prstGeom prst="rect">
-            <a:avLst/>
-          </a:prstGeom>
-          <a:ln w="38100">
-            <a:solidFill>
-              <a:srgbClr val="FF0000"/>
-            </a:solidFill>
-          </a:ln>
-        </p:spPr>
-      </p:pic>
-      <p:sp>
-        <p:nvSpPr>
-          <p:cNvPr id="6" name="TextBox 5">
-            <a:extLst>
-              <a:ext uri="{FF2B5EF4-FFF2-40B4-BE49-F238E27FC236}">
-                <a16:creationId xmlns:a16="http://schemas.microsoft.com/office/drawing/2014/main" id="{5EE66C6E-0560-414C-98AB-373DE3A96F7C}"/>
-              </a:ext>
-            </a:extLst>
-          </p:cNvPr>
-          <p:cNvSpPr txBox="1"/>
-          <p:nvPr/>
-        </p:nvSpPr>
-        <p:spPr>
-          <a:xfrm>
-            <a:off x="3383999" y="5766290"/>
-            <a:ext cx="2358915" cy="646331"/>
-          </a:xfrm>
-          <a:prstGeom prst="rect">
-            <a:avLst/>
-          </a:prstGeom>
-          <a:noFill/>
-        </p:spPr>
-        <p:txBody>
-          <a:bodyPr wrap="none" rtlCol="0">
-            <a:spAutoFit/>
-          </a:bodyPr>
-          <a:lstStyle/>
-          <a:p>
-            <a:r>
-              <a:rPr lang="en-US" dirty="0"/>
-              <a:t>RED: Exponential x-axis</a:t>
-            </a:r>
-          </a:p>
-          <a:p>
-            <a:r>
-              <a:rPr lang="en-US" dirty="0"/>
-              <a:t>FWHM: 0.0147</a:t>
-            </a:r>
-          </a:p>
-        </p:txBody>
-      </p:sp>
-      <p:pic>
-        <p:nvPicPr>
-          <p:cNvPr id="10" name="Picture 9">
-            <a:extLst>
-              <a:ext uri="{FF2B5EF4-FFF2-40B4-BE49-F238E27FC236}">
-                <a16:creationId xmlns:a16="http://schemas.microsoft.com/office/drawing/2014/main" id="{A07A1F56-0795-4C93-B6D1-FCCFBD611A0F}"/>
-              </a:ext>
-            </a:extLst>
-          </p:cNvPr>
-          <p:cNvPicPr>
-            <a:picLocks noChangeAspect="1"/>
-          </p:cNvPicPr>
-          <p:nvPr/>
-        </p:nvPicPr>
-        <p:blipFill>
-          <a:blip r:embed="rId7"/>
-          <a:stretch>
-            <a:fillRect/>
-          </a:stretch>
-        </p:blipFill>
-        <p:spPr>
-          <a:xfrm>
-            <a:off x="6827404" y="5082446"/>
-            <a:ext cx="2049846" cy="1775554"/>
-          </a:xfrm>
-          <a:prstGeom prst="rect">
-            <a:avLst/>
-          </a:prstGeom>
-          <a:ln w="38100">
-            <a:solidFill>
-              <a:srgbClr val="FF0000"/>
-            </a:solidFill>
-          </a:ln>
-        </p:spPr>
-      </p:pic>
-      <p:sp>
-        <p:nvSpPr>
-          <p:cNvPr id="18" name="TextBox 17">
-            <a:extLst>
-              <a:ext uri="{FF2B5EF4-FFF2-40B4-BE49-F238E27FC236}">
-                <a16:creationId xmlns:a16="http://schemas.microsoft.com/office/drawing/2014/main" id="{D52D9B0E-49DC-47D7-9E50-DA7FA7BB9318}"/>
-              </a:ext>
-            </a:extLst>
-          </p:cNvPr>
-          <p:cNvSpPr txBox="1"/>
-          <p:nvPr/>
-        </p:nvSpPr>
-        <p:spPr>
-          <a:xfrm>
-            <a:off x="8944402" y="6061218"/>
-            <a:ext cx="1762267" cy="369332"/>
-          </a:xfrm>
-          <a:prstGeom prst="rect">
-            <a:avLst/>
-          </a:prstGeom>
-          <a:noFill/>
-        </p:spPr>
-        <p:txBody>
-          <a:bodyPr wrap="square">
-            <a:spAutoFit/>
-          </a:bodyPr>
-          <a:lstStyle/>
-          <a:p>
-            <a:r>
-              <a:rPr lang="en-US" dirty="0"/>
-              <a:t>FWHM: 0.0293</a:t>
+              <a:t>Pretty large current depth spread—this is even after I subtracted all the points by the depth of point 1 (the baseline). </a:t>
             </a:r>
           </a:p>
         </p:txBody>
@@ -4098,7 +3666,7 @@
     </p:spTree>
     <p:extLst>
       <p:ext uri="{BB962C8B-B14F-4D97-AF65-F5344CB8AC3E}">
-        <p14:creationId xmlns:p14="http://schemas.microsoft.com/office/powerpoint/2010/main" val="3649785767"/>
+        <p14:creationId xmlns:p14="http://schemas.microsoft.com/office/powerpoint/2010/main" val="3071832707"/>
       </p:ext>
     </p:extLst>
   </p:cSld>
@@ -4130,7 +3698,7 @@
           <p:cNvPr id="2" name="Title 1">
             <a:extLst>
               <a:ext uri="{FF2B5EF4-FFF2-40B4-BE49-F238E27FC236}">
-                <a16:creationId xmlns:a16="http://schemas.microsoft.com/office/drawing/2014/main" id="{5287D99A-B9EC-4330-974D-DCAE3024ABCF}"/>
+                <a16:creationId xmlns:a16="http://schemas.microsoft.com/office/drawing/2014/main" id="{52D8EE16-FD55-463C-BE7F-4396C578F5AC}"/>
               </a:ext>
             </a:extLst>
           </p:cNvPr>
@@ -4148,13 +3716,20 @@
           <a:p>
             <a:r>
               <a:rPr lang="en-US" b="1" dirty="0"/>
-              <a:t>(MoS2)</a:t>
+              <a:t>(</a:t>
+            </a:r>
+            <a:r>
+              <a:rPr lang="en-US" b="1" dirty="0" err="1"/>
+              <a:t>SiNx</a:t>
+            </a:r>
+            <a:r>
+              <a:rPr lang="en-US" b="1" dirty="0"/>
+              <a:t>) </a:t>
             </a:r>
             <a:r>
               <a:rPr lang="en-US" dirty="0"/>
-              <a:t> W event 3-5 dwell time histogram and T event 3-5 dwell time histogram</a:t>
-            </a:r>
-            <a:endParaRPr lang="en-US" b="1" dirty="0"/>
+              <a:t>W event 1-3 dwell time histogram and T event 1-4 dwell time histogram</a:t>
+            </a:r>
           </a:p>
         </p:txBody>
       </p:sp>
@@ -4163,7 +3738,7 @@
           <p:cNvPr id="5" name="Picture 4">
             <a:extLst>
               <a:ext uri="{FF2B5EF4-FFF2-40B4-BE49-F238E27FC236}">
-                <a16:creationId xmlns:a16="http://schemas.microsoft.com/office/drawing/2014/main" id="{8589720F-496B-445A-BCC2-95354FFB304F}"/>
+                <a16:creationId xmlns:a16="http://schemas.microsoft.com/office/drawing/2014/main" id="{C1405C67-1BB0-449F-982D-0B7BD756B902}"/>
               </a:ext>
             </a:extLst>
           </p:cNvPr>
@@ -4180,8 +3755,8 @@
         </p:blipFill>
         <p:spPr>
           <a:xfrm>
-            <a:off x="1382924" y="2188983"/>
-            <a:ext cx="3080924" cy="2643914"/>
+            <a:off x="1231750" y="2250502"/>
+            <a:ext cx="3046159" cy="2611511"/>
           </a:xfrm>
           <a:prstGeom prst="rect">
             <a:avLst/>
@@ -4193,7 +3768,7 @@
           <p:cNvPr id="7" name="Picture 6">
             <a:extLst>
               <a:ext uri="{FF2B5EF4-FFF2-40B4-BE49-F238E27FC236}">
-                <a16:creationId xmlns:a16="http://schemas.microsoft.com/office/drawing/2014/main" id="{033278BD-7038-46F1-825E-1B379A824436}"/>
+                <a16:creationId xmlns:a16="http://schemas.microsoft.com/office/drawing/2014/main" id="{C2533B95-E5BA-4C2C-B4C3-6CBB1E19C068}"/>
               </a:ext>
             </a:extLst>
           </p:cNvPr>
@@ -4210,8 +3785,8 @@
         </p:blipFill>
         <p:spPr>
           <a:xfrm>
-            <a:off x="4566398" y="3470795"/>
-            <a:ext cx="1544004" cy="1335803"/>
+            <a:off x="6550055" y="2355475"/>
+            <a:ext cx="3130840" cy="2661030"/>
           </a:xfrm>
           <a:prstGeom prst="rect">
             <a:avLst/>
@@ -4223,7 +3798,7 @@
           <p:cNvPr id="9" name="Picture 8">
             <a:extLst>
               <a:ext uri="{FF2B5EF4-FFF2-40B4-BE49-F238E27FC236}">
-                <a16:creationId xmlns:a16="http://schemas.microsoft.com/office/drawing/2014/main" id="{C08C68F2-D4BD-440A-B36E-F863687A70A2}"/>
+                <a16:creationId xmlns:a16="http://schemas.microsoft.com/office/drawing/2014/main" id="{0D5A09D0-C421-4F91-8D11-E171C79EE46D}"/>
               </a:ext>
             </a:extLst>
           </p:cNvPr>
@@ -4240,8 +3815,8 @@
         </p:blipFill>
         <p:spPr>
           <a:xfrm>
-            <a:off x="9603257" y="3470796"/>
-            <a:ext cx="1601555" cy="1366534"/>
+            <a:off x="9952060" y="3303977"/>
+            <a:ext cx="1829960" cy="1568537"/>
           </a:xfrm>
           <a:prstGeom prst="rect">
             <a:avLst/>
@@ -4250,10 +3825,10 @@
       </p:pic>
       <p:pic>
         <p:nvPicPr>
-          <p:cNvPr id="11" name="Picture 10">
-            <a:extLst>
-              <a:ext uri="{FF2B5EF4-FFF2-40B4-BE49-F238E27FC236}">
-                <a16:creationId xmlns:a16="http://schemas.microsoft.com/office/drawing/2014/main" id="{6DFC9944-386F-421A-811C-1CB6D4A0B2C3}"/>
+          <p:cNvPr id="12" name="Picture 11">
+            <a:extLst>
+              <a:ext uri="{FF2B5EF4-FFF2-40B4-BE49-F238E27FC236}">
+                <a16:creationId xmlns:a16="http://schemas.microsoft.com/office/drawing/2014/main" id="{FB6C1E53-96E7-4CF7-A201-8F1138CF4DAF}"/>
               </a:ext>
             </a:extLst>
           </p:cNvPr>
@@ -4270,8 +3845,8 @@
         </p:blipFill>
         <p:spPr>
           <a:xfrm>
-            <a:off x="6465390" y="2236031"/>
-            <a:ext cx="2960621" cy="2549817"/>
+            <a:off x="4373240" y="3216609"/>
+            <a:ext cx="1829961" cy="1585092"/>
           </a:xfrm>
           <a:prstGeom prst="rect">
             <a:avLst/>
@@ -4283,7 +3858,7 @@
           <p:cNvPr id="13" name="TextBox 12">
             <a:extLst>
               <a:ext uri="{FF2B5EF4-FFF2-40B4-BE49-F238E27FC236}">
-                <a16:creationId xmlns:a16="http://schemas.microsoft.com/office/drawing/2014/main" id="{A60F55CD-C81E-4B65-B94B-0121B97A598A}"/>
+                <a16:creationId xmlns:a16="http://schemas.microsoft.com/office/drawing/2014/main" id="{5759783F-7DE9-4BEA-9435-5DFC905C9E68}"/>
               </a:ext>
             </a:extLst>
           </p:cNvPr>
@@ -4292,8 +3867,8 @@
         </p:nvSpPr>
         <p:spPr>
           <a:xfrm>
-            <a:off x="1736521" y="1617817"/>
-            <a:ext cx="10107950" cy="523220"/>
+            <a:off x="4297174" y="4825225"/>
+            <a:ext cx="2024871" cy="261610"/>
           </a:xfrm>
           <a:prstGeom prst="rect">
             <a:avLst/>
@@ -4307,8 +3882,8 @@
           <a:lstStyle/>
           <a:p>
             <a:r>
-              <a:rPr lang="en-US" sz="1400" dirty="0"/>
-              <a:t>It seems like DNA stays slightly longer in MoS2 in T event? Which is probably because the length of DNA explanation from slide 3 again. Not fully sure here.</a:t>
+              <a:rPr lang="en-US" sz="1100" dirty="0"/>
+              <a:t>(with twice the number of bins)</a:t>
             </a:r>
           </a:p>
         </p:txBody>
@@ -4318,7 +3893,7 @@
           <p:cNvPr id="14" name="TextBox 13">
             <a:extLst>
               <a:ext uri="{FF2B5EF4-FFF2-40B4-BE49-F238E27FC236}">
-                <a16:creationId xmlns:a16="http://schemas.microsoft.com/office/drawing/2014/main" id="{5D7773B3-EB78-40E5-88FF-26454CCC006B}"/>
+                <a16:creationId xmlns:a16="http://schemas.microsoft.com/office/drawing/2014/main" id="{7BB9FC06-C5FD-4F24-AEFA-77A3AA56E1BA}"/>
               </a:ext>
             </a:extLst>
           </p:cNvPr>
@@ -4327,8 +3902,8 @@
         </p:nvSpPr>
         <p:spPr>
           <a:xfrm>
-            <a:off x="9528561" y="2864608"/>
-            <a:ext cx="1512606" cy="646331"/>
+            <a:off x="9932632" y="4862013"/>
+            <a:ext cx="2077397" cy="261610"/>
           </a:xfrm>
           <a:prstGeom prst="rect">
             <a:avLst/>
@@ -4342,8 +3917,8 @@
           <a:lstStyle/>
           <a:p>
             <a:r>
-              <a:rPr lang="en-US" dirty="0"/>
-              <a:t>Standard Dev: 0.0310</a:t>
+              <a:rPr lang="en-US" sz="1100" dirty="0"/>
+              <a:t>(with twice the number of bins)</a:t>
             </a:r>
           </a:p>
         </p:txBody>
@@ -4353,7 +3928,7 @@
           <p:cNvPr id="15" name="TextBox 14">
             <a:extLst>
               <a:ext uri="{FF2B5EF4-FFF2-40B4-BE49-F238E27FC236}">
-                <a16:creationId xmlns:a16="http://schemas.microsoft.com/office/drawing/2014/main" id="{B1C3C4C1-A9C1-407C-B3D1-7F11742170B4}"/>
+                <a16:creationId xmlns:a16="http://schemas.microsoft.com/office/drawing/2014/main" id="{499B90E9-9B51-47F3-B279-8340BDB07DCA}"/>
               </a:ext>
             </a:extLst>
           </p:cNvPr>
@@ -4362,8 +3937,8 @@
         </p:nvSpPr>
         <p:spPr>
           <a:xfrm>
-            <a:off x="4501809" y="2864607"/>
-            <a:ext cx="1506043" cy="646331"/>
+            <a:off x="2071609" y="1601888"/>
+            <a:ext cx="9491291" cy="646331"/>
           </a:xfrm>
           <a:prstGeom prst="rect">
             <a:avLst/>
@@ -4378,7 +3953,85 @@
           <a:p>
             <a:r>
               <a:rPr lang="en-US" dirty="0"/>
-              <a:t>Standard Dev: 0.0208</a:t>
+              <a:t>It seems like the length of time that DNA is in the </a:t>
+            </a:r>
+            <a:r>
+              <a:rPr lang="en-US" dirty="0" err="1"/>
+              <a:t>SiNx</a:t>
+            </a:r>
+            <a:r>
+              <a:rPr lang="en-US" dirty="0"/>
+              <a:t> pore is longer for a T event (though it could be explained that the DNA is longer since W is short DNA?)</a:t>
+            </a:r>
+          </a:p>
+        </p:txBody>
+      </p:sp>
+      <p:sp>
+        <p:nvSpPr>
+          <p:cNvPr id="16" name="TextBox 15">
+            <a:extLst>
+              <a:ext uri="{FF2B5EF4-FFF2-40B4-BE49-F238E27FC236}">
+                <a16:creationId xmlns:a16="http://schemas.microsoft.com/office/drawing/2014/main" id="{A48B017E-E74C-4AC1-A05A-84EAF4AC9E0A}"/>
+              </a:ext>
+            </a:extLst>
+          </p:cNvPr>
+          <p:cNvSpPr txBox="1"/>
+          <p:nvPr/>
+        </p:nvSpPr>
+        <p:spPr>
+          <a:xfrm>
+            <a:off x="4277909" y="2355475"/>
+            <a:ext cx="1512605" cy="646331"/>
+          </a:xfrm>
+          <a:prstGeom prst="rect">
+            <a:avLst/>
+          </a:prstGeom>
+          <a:noFill/>
+        </p:spPr>
+        <p:txBody>
+          <a:bodyPr wrap="square" rtlCol="0">
+            <a:spAutoFit/>
+          </a:bodyPr>
+          <a:lstStyle/>
+          <a:p>
+            <a:r>
+              <a:rPr lang="en-US" dirty="0"/>
+              <a:t>Standard Dev: 0.0124</a:t>
+            </a:r>
+          </a:p>
+        </p:txBody>
+      </p:sp>
+      <p:sp>
+        <p:nvSpPr>
+          <p:cNvPr id="17" name="TextBox 16">
+            <a:extLst>
+              <a:ext uri="{FF2B5EF4-FFF2-40B4-BE49-F238E27FC236}">
+                <a16:creationId xmlns:a16="http://schemas.microsoft.com/office/drawing/2014/main" id="{8544B420-36AB-4E67-82D3-47E618C328C4}"/>
+              </a:ext>
+            </a:extLst>
+          </p:cNvPr>
+          <p:cNvSpPr txBox="1"/>
+          <p:nvPr/>
+        </p:nvSpPr>
+        <p:spPr>
+          <a:xfrm>
+            <a:off x="9752577" y="2375655"/>
+            <a:ext cx="1512605" cy="646331"/>
+          </a:xfrm>
+          <a:prstGeom prst="rect">
+            <a:avLst/>
+          </a:prstGeom>
+          <a:noFill/>
+        </p:spPr>
+        <p:txBody>
+          <a:bodyPr wrap="square" rtlCol="0">
+            <a:spAutoFit/>
+          </a:bodyPr>
+          <a:lstStyle/>
+          <a:p>
+            <a:r>
+              <a:rPr lang="en-US" dirty="0"/>
+              <a:t>Standard Dev: 0.0222</a:t>
             </a:r>
           </a:p>
         </p:txBody>
@@ -4388,7 +4041,7 @@
           <p:cNvPr id="4" name="Picture 3">
             <a:extLst>
               <a:ext uri="{FF2B5EF4-FFF2-40B4-BE49-F238E27FC236}">
-                <a16:creationId xmlns:a16="http://schemas.microsoft.com/office/drawing/2014/main" id="{E679869C-911F-4101-9F4B-E9CA913C777A}"/>
+                <a16:creationId xmlns:a16="http://schemas.microsoft.com/office/drawing/2014/main" id="{5CCD40D7-8C89-4FB5-B770-4E7A54619CA8}"/>
               </a:ext>
             </a:extLst>
           </p:cNvPr>
@@ -4405,8 +4058,8 @@
         </p:blipFill>
         <p:spPr>
           <a:xfrm>
-            <a:off x="1514046" y="4880843"/>
-            <a:ext cx="2177850" cy="1878879"/>
+            <a:off x="1262470" y="5016505"/>
+            <a:ext cx="2049847" cy="1693858"/>
           </a:xfrm>
           <a:prstGeom prst="rect">
             <a:avLst/>
@@ -4420,10 +4073,10 @@
       </p:pic>
       <p:sp>
         <p:nvSpPr>
-          <p:cNvPr id="16" name="TextBox 15">
-            <a:extLst>
-              <a:ext uri="{FF2B5EF4-FFF2-40B4-BE49-F238E27FC236}">
-                <a16:creationId xmlns:a16="http://schemas.microsoft.com/office/drawing/2014/main" id="{1FE9EF6A-B4E8-4411-B66A-6776BFB2C43E}"/>
+          <p:cNvPr id="6" name="TextBox 5">
+            <a:extLst>
+              <a:ext uri="{FF2B5EF4-FFF2-40B4-BE49-F238E27FC236}">
+                <a16:creationId xmlns:a16="http://schemas.microsoft.com/office/drawing/2014/main" id="{5EE66C6E-0560-414C-98AB-373DE3A96F7C}"/>
               </a:ext>
             </a:extLst>
           </p:cNvPr>
@@ -4432,8 +4085,8 @@
         </p:nvSpPr>
         <p:spPr>
           <a:xfrm>
-            <a:off x="3840139" y="5820282"/>
-            <a:ext cx="1872817" cy="369332"/>
+            <a:off x="3383999" y="5766290"/>
+            <a:ext cx="2358915" cy="646331"/>
           </a:xfrm>
           <a:prstGeom prst="rect">
             <a:avLst/>
@@ -4441,24 +4094,30 @@
           <a:noFill/>
         </p:spPr>
         <p:txBody>
-          <a:bodyPr wrap="square">
+          <a:bodyPr wrap="none" rtlCol="0">
             <a:spAutoFit/>
           </a:bodyPr>
           <a:lstStyle/>
           <a:p>
             <a:r>
               <a:rPr lang="en-US" dirty="0"/>
-              <a:t>FWHM: 0.0082</a:t>
+              <a:t>RED: Exponential x-axis</a:t>
+            </a:r>
+          </a:p>
+          <a:p>
+            <a:r>
+              <a:rPr lang="en-US" dirty="0"/>
+              <a:t>FWHM: 0.0147</a:t>
             </a:r>
           </a:p>
         </p:txBody>
       </p:sp>
       <p:pic>
         <p:nvPicPr>
-          <p:cNvPr id="17" name="Picture 16">
-            <a:extLst>
-              <a:ext uri="{FF2B5EF4-FFF2-40B4-BE49-F238E27FC236}">
-                <a16:creationId xmlns:a16="http://schemas.microsoft.com/office/drawing/2014/main" id="{FCF2E6DB-35C0-4891-99D7-DDE096F8323D}"/>
+          <p:cNvPr id="10" name="Picture 9">
+            <a:extLst>
+              <a:ext uri="{FF2B5EF4-FFF2-40B4-BE49-F238E27FC236}">
+                <a16:creationId xmlns:a16="http://schemas.microsoft.com/office/drawing/2014/main" id="{A07A1F56-0795-4C93-B6D1-FCCFBD611A0F}"/>
               </a:ext>
             </a:extLst>
           </p:cNvPr>
@@ -4475,8 +4134,8 @@
         </p:blipFill>
         <p:spPr>
           <a:xfrm>
-            <a:off x="6266616" y="4880842"/>
-            <a:ext cx="2108150" cy="1861776"/>
+            <a:off x="6827404" y="5082446"/>
+            <a:ext cx="2049846" cy="1775554"/>
           </a:xfrm>
           <a:prstGeom prst="rect">
             <a:avLst/>
@@ -4490,10 +4149,10 @@
       </p:pic>
       <p:sp>
         <p:nvSpPr>
-          <p:cNvPr id="19" name="TextBox 18">
-            <a:extLst>
-              <a:ext uri="{FF2B5EF4-FFF2-40B4-BE49-F238E27FC236}">
-                <a16:creationId xmlns:a16="http://schemas.microsoft.com/office/drawing/2014/main" id="{4CE7FB40-D8CD-4587-926E-06BD34AF52E3}"/>
+          <p:cNvPr id="18" name="TextBox 17">
+            <a:extLst>
+              <a:ext uri="{FF2B5EF4-FFF2-40B4-BE49-F238E27FC236}">
+                <a16:creationId xmlns:a16="http://schemas.microsoft.com/office/drawing/2014/main" id="{D52D9B0E-49DC-47D7-9E50-DA7FA7BB9318}"/>
               </a:ext>
             </a:extLst>
           </p:cNvPr>
@@ -4502,8 +4161,8 @@
         </p:nvSpPr>
         <p:spPr>
           <a:xfrm>
-            <a:off x="8459906" y="5797757"/>
-            <a:ext cx="1721324" cy="369332"/>
+            <a:off x="8944402" y="6061218"/>
+            <a:ext cx="1762267" cy="369332"/>
           </a:xfrm>
           <a:prstGeom prst="rect">
             <a:avLst/>
@@ -4518,7 +4177,7 @@
           <a:p>
             <a:r>
               <a:rPr lang="en-US" dirty="0"/>
-              <a:t>FWHM: 0.0233</a:t>
+              <a:t>FWHM: 0.0293</a:t>
             </a:r>
           </a:p>
         </p:txBody>
@@ -4526,7 +4185,7 @@
     </p:spTree>
     <p:extLst>
       <p:ext uri="{BB962C8B-B14F-4D97-AF65-F5344CB8AC3E}">
-        <p14:creationId xmlns:p14="http://schemas.microsoft.com/office/powerpoint/2010/main" val="3572204431"/>
+        <p14:creationId xmlns:p14="http://schemas.microsoft.com/office/powerpoint/2010/main" val="3649785767"/>
       </p:ext>
     </p:extLst>
   </p:cSld>
@@ -4555,6 +4214,434 @@
       </p:grpSpPr>
       <p:sp>
         <p:nvSpPr>
+          <p:cNvPr id="2" name="Title 1">
+            <a:extLst>
+              <a:ext uri="{FF2B5EF4-FFF2-40B4-BE49-F238E27FC236}">
+                <a16:creationId xmlns:a16="http://schemas.microsoft.com/office/drawing/2014/main" id="{5287D99A-B9EC-4330-974D-DCAE3024ABCF}"/>
+              </a:ext>
+            </a:extLst>
+          </p:cNvPr>
+          <p:cNvSpPr>
+            <a:spLocks noGrp="1"/>
+          </p:cNvSpPr>
+          <p:nvPr>
+            <p:ph type="title"/>
+          </p:nvPr>
+        </p:nvSpPr>
+        <p:spPr/>
+        <p:txBody>
+          <a:bodyPr/>
+          <a:lstStyle/>
+          <a:p>
+            <a:r>
+              <a:rPr lang="en-US" b="1" dirty="0"/>
+              <a:t>(MoS2)</a:t>
+            </a:r>
+            <a:r>
+              <a:rPr lang="en-US" dirty="0"/>
+              <a:t> W event 3-5 dwell time histogram and T event 3-5 dwell time histogram</a:t>
+            </a:r>
+            <a:endParaRPr lang="en-US" b="1" dirty="0"/>
+          </a:p>
+        </p:txBody>
+      </p:sp>
+      <p:pic>
+        <p:nvPicPr>
+          <p:cNvPr id="5" name="Picture 4">
+            <a:extLst>
+              <a:ext uri="{FF2B5EF4-FFF2-40B4-BE49-F238E27FC236}">
+                <a16:creationId xmlns:a16="http://schemas.microsoft.com/office/drawing/2014/main" id="{8589720F-496B-445A-BCC2-95354FFB304F}"/>
+              </a:ext>
+            </a:extLst>
+          </p:cNvPr>
+          <p:cNvPicPr>
+            <a:picLocks noChangeAspect="1"/>
+          </p:cNvPicPr>
+          <p:nvPr/>
+        </p:nvPicPr>
+        <p:blipFill>
+          <a:blip r:embed="rId2"/>
+          <a:stretch>
+            <a:fillRect/>
+          </a:stretch>
+        </p:blipFill>
+        <p:spPr>
+          <a:xfrm>
+            <a:off x="1382924" y="2188983"/>
+            <a:ext cx="3080924" cy="2643914"/>
+          </a:xfrm>
+          <a:prstGeom prst="rect">
+            <a:avLst/>
+          </a:prstGeom>
+        </p:spPr>
+      </p:pic>
+      <p:pic>
+        <p:nvPicPr>
+          <p:cNvPr id="7" name="Picture 6">
+            <a:extLst>
+              <a:ext uri="{FF2B5EF4-FFF2-40B4-BE49-F238E27FC236}">
+                <a16:creationId xmlns:a16="http://schemas.microsoft.com/office/drawing/2014/main" id="{033278BD-7038-46F1-825E-1B379A824436}"/>
+              </a:ext>
+            </a:extLst>
+          </p:cNvPr>
+          <p:cNvPicPr>
+            <a:picLocks noChangeAspect="1"/>
+          </p:cNvPicPr>
+          <p:nvPr/>
+        </p:nvPicPr>
+        <p:blipFill>
+          <a:blip r:embed="rId3"/>
+          <a:stretch>
+            <a:fillRect/>
+          </a:stretch>
+        </p:blipFill>
+        <p:spPr>
+          <a:xfrm>
+            <a:off x="4566398" y="3470795"/>
+            <a:ext cx="1544004" cy="1335803"/>
+          </a:xfrm>
+          <a:prstGeom prst="rect">
+            <a:avLst/>
+          </a:prstGeom>
+        </p:spPr>
+      </p:pic>
+      <p:pic>
+        <p:nvPicPr>
+          <p:cNvPr id="9" name="Picture 8">
+            <a:extLst>
+              <a:ext uri="{FF2B5EF4-FFF2-40B4-BE49-F238E27FC236}">
+                <a16:creationId xmlns:a16="http://schemas.microsoft.com/office/drawing/2014/main" id="{C08C68F2-D4BD-440A-B36E-F863687A70A2}"/>
+              </a:ext>
+            </a:extLst>
+          </p:cNvPr>
+          <p:cNvPicPr>
+            <a:picLocks noChangeAspect="1"/>
+          </p:cNvPicPr>
+          <p:nvPr/>
+        </p:nvPicPr>
+        <p:blipFill>
+          <a:blip r:embed="rId4"/>
+          <a:stretch>
+            <a:fillRect/>
+          </a:stretch>
+        </p:blipFill>
+        <p:spPr>
+          <a:xfrm>
+            <a:off x="9603257" y="3470796"/>
+            <a:ext cx="1601555" cy="1366534"/>
+          </a:xfrm>
+          <a:prstGeom prst="rect">
+            <a:avLst/>
+          </a:prstGeom>
+        </p:spPr>
+      </p:pic>
+      <p:pic>
+        <p:nvPicPr>
+          <p:cNvPr id="11" name="Picture 10">
+            <a:extLst>
+              <a:ext uri="{FF2B5EF4-FFF2-40B4-BE49-F238E27FC236}">
+                <a16:creationId xmlns:a16="http://schemas.microsoft.com/office/drawing/2014/main" id="{6DFC9944-386F-421A-811C-1CB6D4A0B2C3}"/>
+              </a:ext>
+            </a:extLst>
+          </p:cNvPr>
+          <p:cNvPicPr>
+            <a:picLocks noChangeAspect="1"/>
+          </p:cNvPicPr>
+          <p:nvPr/>
+        </p:nvPicPr>
+        <p:blipFill>
+          <a:blip r:embed="rId5"/>
+          <a:stretch>
+            <a:fillRect/>
+          </a:stretch>
+        </p:blipFill>
+        <p:spPr>
+          <a:xfrm>
+            <a:off x="6465390" y="2236031"/>
+            <a:ext cx="2960621" cy="2549817"/>
+          </a:xfrm>
+          <a:prstGeom prst="rect">
+            <a:avLst/>
+          </a:prstGeom>
+        </p:spPr>
+      </p:pic>
+      <p:sp>
+        <p:nvSpPr>
+          <p:cNvPr id="13" name="TextBox 12">
+            <a:extLst>
+              <a:ext uri="{FF2B5EF4-FFF2-40B4-BE49-F238E27FC236}">
+                <a16:creationId xmlns:a16="http://schemas.microsoft.com/office/drawing/2014/main" id="{A60F55CD-C81E-4B65-B94B-0121B97A598A}"/>
+              </a:ext>
+            </a:extLst>
+          </p:cNvPr>
+          <p:cNvSpPr txBox="1"/>
+          <p:nvPr/>
+        </p:nvSpPr>
+        <p:spPr>
+          <a:xfrm>
+            <a:off x="1736521" y="1617817"/>
+            <a:ext cx="10107950" cy="523220"/>
+          </a:xfrm>
+          <a:prstGeom prst="rect">
+            <a:avLst/>
+          </a:prstGeom>
+          <a:noFill/>
+        </p:spPr>
+        <p:txBody>
+          <a:bodyPr wrap="square" rtlCol="0">
+            <a:spAutoFit/>
+          </a:bodyPr>
+          <a:lstStyle/>
+          <a:p>
+            <a:r>
+              <a:rPr lang="en-US" sz="1400" dirty="0"/>
+              <a:t>It seems like DNA stays slightly longer in MoS2 in T event? Which is probably because the length of DNA explanation from slide 3 again. Not fully sure here.</a:t>
+            </a:r>
+          </a:p>
+        </p:txBody>
+      </p:sp>
+      <p:sp>
+        <p:nvSpPr>
+          <p:cNvPr id="14" name="TextBox 13">
+            <a:extLst>
+              <a:ext uri="{FF2B5EF4-FFF2-40B4-BE49-F238E27FC236}">
+                <a16:creationId xmlns:a16="http://schemas.microsoft.com/office/drawing/2014/main" id="{5D7773B3-EB78-40E5-88FF-26454CCC006B}"/>
+              </a:ext>
+            </a:extLst>
+          </p:cNvPr>
+          <p:cNvSpPr txBox="1"/>
+          <p:nvPr/>
+        </p:nvSpPr>
+        <p:spPr>
+          <a:xfrm>
+            <a:off x="9528561" y="2864608"/>
+            <a:ext cx="1512606" cy="646331"/>
+          </a:xfrm>
+          <a:prstGeom prst="rect">
+            <a:avLst/>
+          </a:prstGeom>
+          <a:noFill/>
+        </p:spPr>
+        <p:txBody>
+          <a:bodyPr wrap="square" rtlCol="0">
+            <a:spAutoFit/>
+          </a:bodyPr>
+          <a:lstStyle/>
+          <a:p>
+            <a:r>
+              <a:rPr lang="en-US" dirty="0"/>
+              <a:t>Standard Dev: 0.0310</a:t>
+            </a:r>
+          </a:p>
+        </p:txBody>
+      </p:sp>
+      <p:sp>
+        <p:nvSpPr>
+          <p:cNvPr id="15" name="TextBox 14">
+            <a:extLst>
+              <a:ext uri="{FF2B5EF4-FFF2-40B4-BE49-F238E27FC236}">
+                <a16:creationId xmlns:a16="http://schemas.microsoft.com/office/drawing/2014/main" id="{B1C3C4C1-A9C1-407C-B3D1-7F11742170B4}"/>
+              </a:ext>
+            </a:extLst>
+          </p:cNvPr>
+          <p:cNvSpPr txBox="1"/>
+          <p:nvPr/>
+        </p:nvSpPr>
+        <p:spPr>
+          <a:xfrm>
+            <a:off x="4501809" y="2864607"/>
+            <a:ext cx="1506043" cy="646331"/>
+          </a:xfrm>
+          <a:prstGeom prst="rect">
+            <a:avLst/>
+          </a:prstGeom>
+          <a:noFill/>
+        </p:spPr>
+        <p:txBody>
+          <a:bodyPr wrap="square" rtlCol="0">
+            <a:spAutoFit/>
+          </a:bodyPr>
+          <a:lstStyle/>
+          <a:p>
+            <a:r>
+              <a:rPr lang="en-US" dirty="0"/>
+              <a:t>Standard Dev: 0.0208</a:t>
+            </a:r>
+          </a:p>
+        </p:txBody>
+      </p:sp>
+      <p:pic>
+        <p:nvPicPr>
+          <p:cNvPr id="4" name="Picture 3">
+            <a:extLst>
+              <a:ext uri="{FF2B5EF4-FFF2-40B4-BE49-F238E27FC236}">
+                <a16:creationId xmlns:a16="http://schemas.microsoft.com/office/drawing/2014/main" id="{E679869C-911F-4101-9F4B-E9CA913C777A}"/>
+              </a:ext>
+            </a:extLst>
+          </p:cNvPr>
+          <p:cNvPicPr>
+            <a:picLocks noChangeAspect="1"/>
+          </p:cNvPicPr>
+          <p:nvPr/>
+        </p:nvPicPr>
+        <p:blipFill>
+          <a:blip r:embed="rId6"/>
+          <a:stretch>
+            <a:fillRect/>
+          </a:stretch>
+        </p:blipFill>
+        <p:spPr>
+          <a:xfrm>
+            <a:off x="1514046" y="4880843"/>
+            <a:ext cx="2177850" cy="1878879"/>
+          </a:xfrm>
+          <a:prstGeom prst="rect">
+            <a:avLst/>
+          </a:prstGeom>
+          <a:ln w="38100">
+            <a:solidFill>
+              <a:srgbClr val="FF0000"/>
+            </a:solidFill>
+          </a:ln>
+        </p:spPr>
+      </p:pic>
+      <p:sp>
+        <p:nvSpPr>
+          <p:cNvPr id="16" name="TextBox 15">
+            <a:extLst>
+              <a:ext uri="{FF2B5EF4-FFF2-40B4-BE49-F238E27FC236}">
+                <a16:creationId xmlns:a16="http://schemas.microsoft.com/office/drawing/2014/main" id="{1FE9EF6A-B4E8-4411-B66A-6776BFB2C43E}"/>
+              </a:ext>
+            </a:extLst>
+          </p:cNvPr>
+          <p:cNvSpPr txBox="1"/>
+          <p:nvPr/>
+        </p:nvSpPr>
+        <p:spPr>
+          <a:xfrm>
+            <a:off x="3840139" y="5820282"/>
+            <a:ext cx="1872817" cy="369332"/>
+          </a:xfrm>
+          <a:prstGeom prst="rect">
+            <a:avLst/>
+          </a:prstGeom>
+          <a:noFill/>
+        </p:spPr>
+        <p:txBody>
+          <a:bodyPr wrap="square">
+            <a:spAutoFit/>
+          </a:bodyPr>
+          <a:lstStyle/>
+          <a:p>
+            <a:r>
+              <a:rPr lang="en-US" dirty="0"/>
+              <a:t>FWHM: 0.0082</a:t>
+            </a:r>
+          </a:p>
+        </p:txBody>
+      </p:sp>
+      <p:pic>
+        <p:nvPicPr>
+          <p:cNvPr id="17" name="Picture 16">
+            <a:extLst>
+              <a:ext uri="{FF2B5EF4-FFF2-40B4-BE49-F238E27FC236}">
+                <a16:creationId xmlns:a16="http://schemas.microsoft.com/office/drawing/2014/main" id="{FCF2E6DB-35C0-4891-99D7-DDE096F8323D}"/>
+              </a:ext>
+            </a:extLst>
+          </p:cNvPr>
+          <p:cNvPicPr>
+            <a:picLocks noChangeAspect="1"/>
+          </p:cNvPicPr>
+          <p:nvPr/>
+        </p:nvPicPr>
+        <p:blipFill>
+          <a:blip r:embed="rId7"/>
+          <a:stretch>
+            <a:fillRect/>
+          </a:stretch>
+        </p:blipFill>
+        <p:spPr>
+          <a:xfrm>
+            <a:off x="6266616" y="4880842"/>
+            <a:ext cx="2108150" cy="1861776"/>
+          </a:xfrm>
+          <a:prstGeom prst="rect">
+            <a:avLst/>
+          </a:prstGeom>
+          <a:ln w="38100">
+            <a:solidFill>
+              <a:srgbClr val="FF0000"/>
+            </a:solidFill>
+          </a:ln>
+        </p:spPr>
+      </p:pic>
+      <p:sp>
+        <p:nvSpPr>
+          <p:cNvPr id="19" name="TextBox 18">
+            <a:extLst>
+              <a:ext uri="{FF2B5EF4-FFF2-40B4-BE49-F238E27FC236}">
+                <a16:creationId xmlns:a16="http://schemas.microsoft.com/office/drawing/2014/main" id="{4CE7FB40-D8CD-4587-926E-06BD34AF52E3}"/>
+              </a:ext>
+            </a:extLst>
+          </p:cNvPr>
+          <p:cNvSpPr txBox="1"/>
+          <p:nvPr/>
+        </p:nvSpPr>
+        <p:spPr>
+          <a:xfrm>
+            <a:off x="8459906" y="5797757"/>
+            <a:ext cx="1721324" cy="369332"/>
+          </a:xfrm>
+          <a:prstGeom prst="rect">
+            <a:avLst/>
+          </a:prstGeom>
+          <a:noFill/>
+        </p:spPr>
+        <p:txBody>
+          <a:bodyPr wrap="square">
+            <a:spAutoFit/>
+          </a:bodyPr>
+          <a:lstStyle/>
+          <a:p>
+            <a:r>
+              <a:rPr lang="en-US" dirty="0"/>
+              <a:t>FWHM: 0.0233</a:t>
+            </a:r>
+          </a:p>
+        </p:txBody>
+      </p:sp>
+    </p:spTree>
+    <p:extLst>
+      <p:ext uri="{BB962C8B-B14F-4D97-AF65-F5344CB8AC3E}">
+        <p14:creationId xmlns:p14="http://schemas.microsoft.com/office/powerpoint/2010/main" val="3572204431"/>
+      </p:ext>
+    </p:extLst>
+  </p:cSld>
+  <p:clrMapOvr>
+    <a:masterClrMapping/>
+  </p:clrMapOvr>
+</p:sld>
+</file>
+
+<file path=ppt/slides/slide6.xml><?xml version="1.0" encoding="utf-8"?>
+<p:sld xmlns:a="http://schemas.openxmlformats.org/drawingml/2006/main" xmlns:r="http://schemas.openxmlformats.org/officeDocument/2006/relationships" xmlns:p="http://schemas.openxmlformats.org/presentationml/2006/main">
+  <p:cSld>
+    <p:spTree>
+      <p:nvGrpSpPr>
+        <p:cNvPr id="1" name=""/>
+        <p:cNvGrpSpPr/>
+        <p:nvPr/>
+      </p:nvGrpSpPr>
+      <p:grpSpPr>
+        <a:xfrm>
+          <a:off x="0" y="0"/>
+          <a:ext cx="0" cy="0"/>
+          <a:chOff x="0" y="0"/>
+          <a:chExt cx="0" cy="0"/>
+        </a:xfrm>
+      </p:grpSpPr>
+      <p:sp>
+        <p:nvSpPr>
           <p:cNvPr id="3" name="Content Placeholder 2">
             <a:extLst>
               <a:ext uri="{FF2B5EF4-FFF2-40B4-BE49-F238E27FC236}">
@@ -4571,7 +4658,9 @@
         </p:nvSpPr>
         <p:spPr/>
         <p:txBody>
-          <a:bodyPr/>
+          <a:bodyPr>
+            <a:normAutofit lnSpcReduction="10000"/>
+          </a:bodyPr>
           <a:lstStyle/>
           <a:p>
             <a:r>
@@ -4600,6 +4689,17 @@
               <a:rPr lang="en-US" dirty="0"/>
               <a:t>This is bad news, but I’m currently trying to think of some other explanations. </a:t>
             </a:r>
+          </a:p>
+          <a:p>
+            <a:r>
+              <a:rPr lang="en-US" dirty="0"/>
+              <a:t>Killian suggested doing FWHM (the plots in red boxes), and FWHM is smaller for MoS2 compared to </a:t>
+            </a:r>
+            <a:r>
+              <a:rPr lang="en-US" dirty="0" err="1"/>
+              <a:t>SiNx</a:t>
+            </a:r>
+            <a:endParaRPr lang="en-US" dirty="0"/>
           </a:p>
         </p:txBody>
       </p:sp>
@@ -4607,6 +4707,976 @@
     <p:extLst>
       <p:ext uri="{BB962C8B-B14F-4D97-AF65-F5344CB8AC3E}">
         <p14:creationId xmlns:p14="http://schemas.microsoft.com/office/powerpoint/2010/main" val="3644003433"/>
+      </p:ext>
+    </p:extLst>
+  </p:cSld>
+  <p:clrMapOvr>
+    <a:masterClrMapping/>
+  </p:clrMapOvr>
+</p:sld>
+</file>
+
+<file path=ppt/slides/slide7.xml><?xml version="1.0" encoding="utf-8"?>
+<p:sld xmlns:a="http://schemas.openxmlformats.org/drawingml/2006/main" xmlns:r="http://schemas.openxmlformats.org/officeDocument/2006/relationships" xmlns:p="http://schemas.openxmlformats.org/presentationml/2006/main">
+  <p:cSld>
+    <p:spTree>
+      <p:nvGrpSpPr>
+        <p:cNvPr id="1" name=""/>
+        <p:cNvGrpSpPr/>
+        <p:nvPr/>
+      </p:nvGrpSpPr>
+      <p:grpSpPr>
+        <a:xfrm>
+          <a:off x="0" y="0"/>
+          <a:ext cx="0" cy="0"/>
+          <a:chOff x="0" y="0"/>
+          <a:chExt cx="0" cy="0"/>
+        </a:xfrm>
+      </p:grpSpPr>
+      <p:sp>
+        <p:nvSpPr>
+          <p:cNvPr id="2" name="Title 1">
+            <a:extLst>
+              <a:ext uri="{FF2B5EF4-FFF2-40B4-BE49-F238E27FC236}">
+                <a16:creationId xmlns:a16="http://schemas.microsoft.com/office/drawing/2014/main" id="{2BB3CFC7-DDE6-44DD-8441-E838C477F5FF}"/>
+              </a:ext>
+            </a:extLst>
+          </p:cNvPr>
+          <p:cNvSpPr>
+            <a:spLocks noGrp="1"/>
+          </p:cNvSpPr>
+          <p:nvPr>
+            <p:ph type="title"/>
+          </p:nvPr>
+        </p:nvSpPr>
+        <p:spPr/>
+        <p:txBody>
+          <a:bodyPr/>
+          <a:lstStyle/>
+          <a:p>
+            <a:r>
+              <a:rPr lang="en-US" dirty="0"/>
+              <a:t>150 mV (Slides 8-__)</a:t>
+            </a:r>
+          </a:p>
+        </p:txBody>
+      </p:sp>
+      <p:sp>
+        <p:nvSpPr>
+          <p:cNvPr id="3" name="Text Placeholder 2">
+            <a:extLst>
+              <a:ext uri="{FF2B5EF4-FFF2-40B4-BE49-F238E27FC236}">
+                <a16:creationId xmlns:a16="http://schemas.microsoft.com/office/drawing/2014/main" id="{9E560C46-A785-4CFC-A1C1-26D55AF10F47}"/>
+              </a:ext>
+            </a:extLst>
+          </p:cNvPr>
+          <p:cNvSpPr>
+            <a:spLocks noGrp="1"/>
+          </p:cNvSpPr>
+          <p:nvPr>
+            <p:ph type="body" idx="1"/>
+          </p:nvPr>
+        </p:nvSpPr>
+        <p:spPr/>
+        <p:txBody>
+          <a:bodyPr/>
+          <a:lstStyle/>
+          <a:p>
+            <a:endParaRPr lang="en-US"/>
+          </a:p>
+        </p:txBody>
+      </p:sp>
+    </p:spTree>
+    <p:extLst>
+      <p:ext uri="{BB962C8B-B14F-4D97-AF65-F5344CB8AC3E}">
+        <p14:creationId xmlns:p14="http://schemas.microsoft.com/office/powerpoint/2010/main" val="2466063467"/>
+      </p:ext>
+    </p:extLst>
+  </p:cSld>
+  <p:clrMapOvr>
+    <a:masterClrMapping/>
+  </p:clrMapOvr>
+</p:sld>
+</file>
+
+<file path=ppt/slides/slide8.xml><?xml version="1.0" encoding="utf-8"?>
+<p:sld xmlns:a="http://schemas.openxmlformats.org/drawingml/2006/main" xmlns:r="http://schemas.openxmlformats.org/officeDocument/2006/relationships" xmlns:p="http://schemas.openxmlformats.org/presentationml/2006/main">
+  <p:cSld>
+    <p:spTree>
+      <p:nvGrpSpPr>
+        <p:cNvPr id="1" name=""/>
+        <p:cNvGrpSpPr/>
+        <p:nvPr/>
+      </p:nvGrpSpPr>
+      <p:grpSpPr>
+        <a:xfrm>
+          <a:off x="0" y="0"/>
+          <a:ext cx="0" cy="0"/>
+          <a:chOff x="0" y="0"/>
+          <a:chExt cx="0" cy="0"/>
+        </a:xfrm>
+      </p:grpSpPr>
+      <p:sp>
+        <p:nvSpPr>
+          <p:cNvPr id="2" name="Title 1">
+            <a:extLst>
+              <a:ext uri="{FF2B5EF4-FFF2-40B4-BE49-F238E27FC236}">
+                <a16:creationId xmlns:a16="http://schemas.microsoft.com/office/drawing/2014/main" id="{52D8EE16-FD55-463C-BE7F-4396C578F5AC}"/>
+              </a:ext>
+            </a:extLst>
+          </p:cNvPr>
+          <p:cNvSpPr>
+            <a:spLocks noGrp="1"/>
+          </p:cNvSpPr>
+          <p:nvPr>
+            <p:ph type="title"/>
+          </p:nvPr>
+        </p:nvSpPr>
+        <p:spPr/>
+        <p:txBody>
+          <a:bodyPr/>
+          <a:lstStyle/>
+          <a:p>
+            <a:r>
+              <a:rPr lang="en-US" b="1" dirty="0"/>
+              <a:t>(</a:t>
+            </a:r>
+            <a:r>
+              <a:rPr lang="en-US" b="1" dirty="0" err="1"/>
+              <a:t>SiNx</a:t>
+            </a:r>
+            <a:r>
+              <a:rPr lang="en-US" b="1" dirty="0"/>
+              <a:t>) </a:t>
+            </a:r>
+            <a:r>
+              <a:rPr lang="en-US" dirty="0"/>
+              <a:t>W event 1-3 dwell time histogram and T event 1-4 dwell time histogram</a:t>
+            </a:r>
+          </a:p>
+        </p:txBody>
+      </p:sp>
+      <p:sp>
+        <p:nvSpPr>
+          <p:cNvPr id="14" name="TextBox 13">
+            <a:extLst>
+              <a:ext uri="{FF2B5EF4-FFF2-40B4-BE49-F238E27FC236}">
+                <a16:creationId xmlns:a16="http://schemas.microsoft.com/office/drawing/2014/main" id="{7BB9FC06-C5FD-4F24-AEFA-77A3AA56E1BA}"/>
+              </a:ext>
+            </a:extLst>
+          </p:cNvPr>
+          <p:cNvSpPr txBox="1"/>
+          <p:nvPr/>
+        </p:nvSpPr>
+        <p:spPr>
+          <a:xfrm>
+            <a:off x="9932632" y="4862013"/>
+            <a:ext cx="2077397" cy="261610"/>
+          </a:xfrm>
+          <a:prstGeom prst="rect">
+            <a:avLst/>
+          </a:prstGeom>
+          <a:noFill/>
+        </p:spPr>
+        <p:txBody>
+          <a:bodyPr wrap="square" rtlCol="0">
+            <a:spAutoFit/>
+          </a:bodyPr>
+          <a:lstStyle/>
+          <a:p>
+            <a:r>
+              <a:rPr lang="en-US" sz="1100" dirty="0"/>
+              <a:t>(with twice the number of bins)</a:t>
+            </a:r>
+          </a:p>
+        </p:txBody>
+      </p:sp>
+      <p:sp>
+        <p:nvSpPr>
+          <p:cNvPr id="15" name="TextBox 14">
+            <a:extLst>
+              <a:ext uri="{FF2B5EF4-FFF2-40B4-BE49-F238E27FC236}">
+                <a16:creationId xmlns:a16="http://schemas.microsoft.com/office/drawing/2014/main" id="{499B90E9-9B51-47F3-B279-8340BDB07DCA}"/>
+              </a:ext>
+            </a:extLst>
+          </p:cNvPr>
+          <p:cNvSpPr txBox="1"/>
+          <p:nvPr/>
+        </p:nvSpPr>
+        <p:spPr>
+          <a:xfrm>
+            <a:off x="2071609" y="1601888"/>
+            <a:ext cx="9491291" cy="646331"/>
+          </a:xfrm>
+          <a:prstGeom prst="rect">
+            <a:avLst/>
+          </a:prstGeom>
+          <a:noFill/>
+        </p:spPr>
+        <p:txBody>
+          <a:bodyPr wrap="square" rtlCol="0">
+            <a:spAutoFit/>
+          </a:bodyPr>
+          <a:lstStyle/>
+          <a:p>
+            <a:r>
+              <a:rPr lang="en-US" dirty="0"/>
+              <a:t>It seems like the length of time that DNA is in the </a:t>
+            </a:r>
+            <a:r>
+              <a:rPr lang="en-US" dirty="0" err="1"/>
+              <a:t>SiNx</a:t>
+            </a:r>
+            <a:r>
+              <a:rPr lang="en-US" dirty="0"/>
+              <a:t> pore is longer for a T event (though it could be explained that the DNA is longer since W is short DNA?)</a:t>
+            </a:r>
+          </a:p>
+        </p:txBody>
+      </p:sp>
+      <p:sp>
+        <p:nvSpPr>
+          <p:cNvPr id="16" name="TextBox 15">
+            <a:extLst>
+              <a:ext uri="{FF2B5EF4-FFF2-40B4-BE49-F238E27FC236}">
+                <a16:creationId xmlns:a16="http://schemas.microsoft.com/office/drawing/2014/main" id="{A48B017E-E74C-4AC1-A05A-84EAF4AC9E0A}"/>
+              </a:ext>
+            </a:extLst>
+          </p:cNvPr>
+          <p:cNvSpPr txBox="1"/>
+          <p:nvPr/>
+        </p:nvSpPr>
+        <p:spPr>
+          <a:xfrm>
+            <a:off x="4277909" y="2355475"/>
+            <a:ext cx="1512605" cy="646331"/>
+          </a:xfrm>
+          <a:prstGeom prst="rect">
+            <a:avLst/>
+          </a:prstGeom>
+          <a:noFill/>
+        </p:spPr>
+        <p:txBody>
+          <a:bodyPr wrap="square" rtlCol="0">
+            <a:spAutoFit/>
+          </a:bodyPr>
+          <a:lstStyle/>
+          <a:p>
+            <a:r>
+              <a:rPr lang="en-US" dirty="0"/>
+              <a:t>Standard Dev: 0.0168</a:t>
+            </a:r>
+          </a:p>
+        </p:txBody>
+      </p:sp>
+      <p:sp>
+        <p:nvSpPr>
+          <p:cNvPr id="17" name="TextBox 16">
+            <a:extLst>
+              <a:ext uri="{FF2B5EF4-FFF2-40B4-BE49-F238E27FC236}">
+                <a16:creationId xmlns:a16="http://schemas.microsoft.com/office/drawing/2014/main" id="{8544B420-36AB-4E67-82D3-47E618C328C4}"/>
+              </a:ext>
+            </a:extLst>
+          </p:cNvPr>
+          <p:cNvSpPr txBox="1"/>
+          <p:nvPr/>
+        </p:nvSpPr>
+        <p:spPr>
+          <a:xfrm>
+            <a:off x="9752577" y="2375655"/>
+            <a:ext cx="1512605" cy="646331"/>
+          </a:xfrm>
+          <a:prstGeom prst="rect">
+            <a:avLst/>
+          </a:prstGeom>
+          <a:noFill/>
+        </p:spPr>
+        <p:txBody>
+          <a:bodyPr wrap="square" rtlCol="0">
+            <a:spAutoFit/>
+          </a:bodyPr>
+          <a:lstStyle/>
+          <a:p>
+            <a:r>
+              <a:rPr lang="en-US" dirty="0"/>
+              <a:t>Standard Dev: 0.0389</a:t>
+            </a:r>
+          </a:p>
+        </p:txBody>
+      </p:sp>
+      <p:sp>
+        <p:nvSpPr>
+          <p:cNvPr id="6" name="TextBox 5">
+            <a:extLst>
+              <a:ext uri="{FF2B5EF4-FFF2-40B4-BE49-F238E27FC236}">
+                <a16:creationId xmlns:a16="http://schemas.microsoft.com/office/drawing/2014/main" id="{5EE66C6E-0560-414C-98AB-373DE3A96F7C}"/>
+              </a:ext>
+            </a:extLst>
+          </p:cNvPr>
+          <p:cNvSpPr txBox="1"/>
+          <p:nvPr/>
+        </p:nvSpPr>
+        <p:spPr>
+          <a:xfrm>
+            <a:off x="3383999" y="5766290"/>
+            <a:ext cx="2358915" cy="646331"/>
+          </a:xfrm>
+          <a:prstGeom prst="rect">
+            <a:avLst/>
+          </a:prstGeom>
+          <a:noFill/>
+        </p:spPr>
+        <p:txBody>
+          <a:bodyPr wrap="none" rtlCol="0">
+            <a:spAutoFit/>
+          </a:bodyPr>
+          <a:lstStyle/>
+          <a:p>
+            <a:r>
+              <a:rPr lang="en-US" dirty="0"/>
+              <a:t>RED: Exponential x-axis</a:t>
+            </a:r>
+          </a:p>
+          <a:p>
+            <a:r>
+              <a:rPr lang="en-US" dirty="0"/>
+              <a:t>FWHM: 0.0061</a:t>
+            </a:r>
+          </a:p>
+        </p:txBody>
+      </p:sp>
+      <p:sp>
+        <p:nvSpPr>
+          <p:cNvPr id="18" name="TextBox 17">
+            <a:extLst>
+              <a:ext uri="{FF2B5EF4-FFF2-40B4-BE49-F238E27FC236}">
+                <a16:creationId xmlns:a16="http://schemas.microsoft.com/office/drawing/2014/main" id="{D52D9B0E-49DC-47D7-9E50-DA7FA7BB9318}"/>
+              </a:ext>
+            </a:extLst>
+          </p:cNvPr>
+          <p:cNvSpPr txBox="1"/>
+          <p:nvPr/>
+        </p:nvSpPr>
+        <p:spPr>
+          <a:xfrm>
+            <a:off x="8944402" y="6061218"/>
+            <a:ext cx="1762267" cy="369332"/>
+          </a:xfrm>
+          <a:prstGeom prst="rect">
+            <a:avLst/>
+          </a:prstGeom>
+          <a:noFill/>
+        </p:spPr>
+        <p:txBody>
+          <a:bodyPr wrap="square">
+            <a:spAutoFit/>
+          </a:bodyPr>
+          <a:lstStyle/>
+          <a:p>
+            <a:r>
+              <a:rPr lang="en-US" dirty="0"/>
+              <a:t>FWHM: 0.0555</a:t>
+            </a:r>
+          </a:p>
+        </p:txBody>
+      </p:sp>
+      <p:pic>
+        <p:nvPicPr>
+          <p:cNvPr id="19" name="Picture 18">
+            <a:extLst>
+              <a:ext uri="{FF2B5EF4-FFF2-40B4-BE49-F238E27FC236}">
+                <a16:creationId xmlns:a16="http://schemas.microsoft.com/office/drawing/2014/main" id="{19CCDF66-7871-4DE3-BF13-D3A234442350}"/>
+              </a:ext>
+            </a:extLst>
+          </p:cNvPr>
+          <p:cNvPicPr>
+            <a:picLocks noChangeAspect="1"/>
+          </p:cNvPicPr>
+          <p:nvPr/>
+        </p:nvPicPr>
+        <p:blipFill>
+          <a:blip r:embed="rId2"/>
+          <a:stretch>
+            <a:fillRect/>
+          </a:stretch>
+        </p:blipFill>
+        <p:spPr>
+          <a:xfrm>
+            <a:off x="1389733" y="5016505"/>
+            <a:ext cx="1994266" cy="1717809"/>
+          </a:xfrm>
+          <a:prstGeom prst="rect">
+            <a:avLst/>
+          </a:prstGeom>
+          <a:ln w="38100">
+            <a:solidFill>
+              <a:srgbClr val="FF0000"/>
+            </a:solidFill>
+          </a:ln>
+        </p:spPr>
+      </p:pic>
+      <p:pic>
+        <p:nvPicPr>
+          <p:cNvPr id="25" name="Picture 24">
+            <a:extLst>
+              <a:ext uri="{FF2B5EF4-FFF2-40B4-BE49-F238E27FC236}">
+                <a16:creationId xmlns:a16="http://schemas.microsoft.com/office/drawing/2014/main" id="{67D820C4-5044-4A29-B2E0-896B81F97416}"/>
+              </a:ext>
+            </a:extLst>
+          </p:cNvPr>
+          <p:cNvPicPr>
+            <a:picLocks noChangeAspect="1"/>
+          </p:cNvPicPr>
+          <p:nvPr/>
+        </p:nvPicPr>
+        <p:blipFill>
+          <a:blip r:embed="rId3"/>
+          <a:stretch>
+            <a:fillRect/>
+          </a:stretch>
+        </p:blipFill>
+        <p:spPr>
+          <a:xfrm>
+            <a:off x="982552" y="2279518"/>
+            <a:ext cx="2961651" cy="2551195"/>
+          </a:xfrm>
+          <a:prstGeom prst="rect">
+            <a:avLst/>
+          </a:prstGeom>
+        </p:spPr>
+      </p:pic>
+      <p:pic>
+        <p:nvPicPr>
+          <p:cNvPr id="27" name="Picture 26">
+            <a:extLst>
+              <a:ext uri="{FF2B5EF4-FFF2-40B4-BE49-F238E27FC236}">
+                <a16:creationId xmlns:a16="http://schemas.microsoft.com/office/drawing/2014/main" id="{722BBF45-8A37-4ECD-BF3A-2536C5F511C5}"/>
+              </a:ext>
+            </a:extLst>
+          </p:cNvPr>
+          <p:cNvPicPr>
+            <a:picLocks noChangeAspect="1"/>
+          </p:cNvPicPr>
+          <p:nvPr/>
+        </p:nvPicPr>
+        <p:blipFill>
+          <a:blip r:embed="rId4"/>
+          <a:stretch>
+            <a:fillRect/>
+          </a:stretch>
+        </p:blipFill>
+        <p:spPr>
+          <a:xfrm>
+            <a:off x="6351210" y="2320679"/>
+            <a:ext cx="2779141" cy="2438907"/>
+          </a:xfrm>
+          <a:prstGeom prst="rect">
+            <a:avLst/>
+          </a:prstGeom>
+        </p:spPr>
+      </p:pic>
+      <p:pic>
+        <p:nvPicPr>
+          <p:cNvPr id="29" name="Picture 28">
+            <a:extLst>
+              <a:ext uri="{FF2B5EF4-FFF2-40B4-BE49-F238E27FC236}">
+                <a16:creationId xmlns:a16="http://schemas.microsoft.com/office/drawing/2014/main" id="{FBCCC3FE-5948-44CA-B693-916D8DF98CCA}"/>
+              </a:ext>
+            </a:extLst>
+          </p:cNvPr>
+          <p:cNvPicPr>
+            <a:picLocks noChangeAspect="1"/>
+          </p:cNvPicPr>
+          <p:nvPr/>
+        </p:nvPicPr>
+        <p:blipFill>
+          <a:blip r:embed="rId5"/>
+          <a:stretch>
+            <a:fillRect/>
+          </a:stretch>
+        </p:blipFill>
+        <p:spPr>
+          <a:xfrm>
+            <a:off x="9825535" y="3105614"/>
+            <a:ext cx="1959380" cy="1707934"/>
+          </a:xfrm>
+          <a:prstGeom prst="rect">
+            <a:avLst/>
+          </a:prstGeom>
+        </p:spPr>
+      </p:pic>
+      <p:sp>
+        <p:nvSpPr>
+          <p:cNvPr id="30" name="TextBox 29">
+            <a:extLst>
+              <a:ext uri="{FF2B5EF4-FFF2-40B4-BE49-F238E27FC236}">
+                <a16:creationId xmlns:a16="http://schemas.microsoft.com/office/drawing/2014/main" id="{A228B888-30BD-44DF-95FE-6DF1628BA84F}"/>
+              </a:ext>
+            </a:extLst>
+          </p:cNvPr>
+          <p:cNvSpPr txBox="1"/>
+          <p:nvPr/>
+        </p:nvSpPr>
+        <p:spPr>
+          <a:xfrm>
+            <a:off x="4109008" y="4759586"/>
+            <a:ext cx="2077397" cy="261610"/>
+          </a:xfrm>
+          <a:prstGeom prst="rect">
+            <a:avLst/>
+          </a:prstGeom>
+          <a:noFill/>
+        </p:spPr>
+        <p:txBody>
+          <a:bodyPr wrap="square" rtlCol="0">
+            <a:spAutoFit/>
+          </a:bodyPr>
+          <a:lstStyle/>
+          <a:p>
+            <a:r>
+              <a:rPr lang="en-US" sz="1100" dirty="0"/>
+              <a:t>(with twice the number of bins)</a:t>
+            </a:r>
+          </a:p>
+        </p:txBody>
+      </p:sp>
+      <p:pic>
+        <p:nvPicPr>
+          <p:cNvPr id="32" name="Picture 31">
+            <a:extLst>
+              <a:ext uri="{FF2B5EF4-FFF2-40B4-BE49-F238E27FC236}">
+                <a16:creationId xmlns:a16="http://schemas.microsoft.com/office/drawing/2014/main" id="{BE356A69-E0DE-4259-A286-4B9A5ED7675E}"/>
+              </a:ext>
+            </a:extLst>
+          </p:cNvPr>
+          <p:cNvPicPr>
+            <a:picLocks noChangeAspect="1"/>
+          </p:cNvPicPr>
+          <p:nvPr/>
+        </p:nvPicPr>
+        <p:blipFill>
+          <a:blip r:embed="rId6"/>
+          <a:stretch>
+            <a:fillRect/>
+          </a:stretch>
+        </p:blipFill>
+        <p:spPr>
+          <a:xfrm>
+            <a:off x="4109008" y="3144398"/>
+            <a:ext cx="1814120" cy="1585970"/>
+          </a:xfrm>
+          <a:prstGeom prst="rect">
+            <a:avLst/>
+          </a:prstGeom>
+        </p:spPr>
+      </p:pic>
+      <p:pic>
+        <p:nvPicPr>
+          <p:cNvPr id="34" name="Picture 33">
+            <a:extLst>
+              <a:ext uri="{FF2B5EF4-FFF2-40B4-BE49-F238E27FC236}">
+                <a16:creationId xmlns:a16="http://schemas.microsoft.com/office/drawing/2014/main" id="{0A88EF4B-3F7E-4716-A127-7ABA1A0F3603}"/>
+              </a:ext>
+            </a:extLst>
+          </p:cNvPr>
+          <p:cNvPicPr>
+            <a:picLocks noChangeAspect="1"/>
+          </p:cNvPicPr>
+          <p:nvPr/>
+        </p:nvPicPr>
+        <p:blipFill>
+          <a:blip r:embed="rId7"/>
+          <a:stretch>
+            <a:fillRect/>
+          </a:stretch>
+        </p:blipFill>
+        <p:spPr>
+          <a:xfrm>
+            <a:off x="6677975" y="4957139"/>
+            <a:ext cx="2115734" cy="1836539"/>
+          </a:xfrm>
+          <a:prstGeom prst="rect">
+            <a:avLst/>
+          </a:prstGeom>
+          <a:ln w="38100">
+            <a:solidFill>
+              <a:srgbClr val="FF0000"/>
+            </a:solidFill>
+          </a:ln>
+        </p:spPr>
+      </p:pic>
+    </p:spTree>
+    <p:extLst>
+      <p:ext uri="{BB962C8B-B14F-4D97-AF65-F5344CB8AC3E}">
+        <p14:creationId xmlns:p14="http://schemas.microsoft.com/office/powerpoint/2010/main" val="123468082"/>
+      </p:ext>
+    </p:extLst>
+  </p:cSld>
+  <p:clrMapOvr>
+    <a:masterClrMapping/>
+  </p:clrMapOvr>
+</p:sld>
+</file>
+
+<file path=ppt/slides/slide9.xml><?xml version="1.0" encoding="utf-8"?>
+<p:sld xmlns:a="http://schemas.openxmlformats.org/drawingml/2006/main" xmlns:r="http://schemas.openxmlformats.org/officeDocument/2006/relationships" xmlns:p="http://schemas.openxmlformats.org/presentationml/2006/main">
+  <p:cSld>
+    <p:spTree>
+      <p:nvGrpSpPr>
+        <p:cNvPr id="1" name=""/>
+        <p:cNvGrpSpPr/>
+        <p:nvPr/>
+      </p:nvGrpSpPr>
+      <p:grpSpPr>
+        <a:xfrm>
+          <a:off x="0" y="0"/>
+          <a:ext cx="0" cy="0"/>
+          <a:chOff x="0" y="0"/>
+          <a:chExt cx="0" cy="0"/>
+        </a:xfrm>
+      </p:grpSpPr>
+      <p:sp>
+        <p:nvSpPr>
+          <p:cNvPr id="2" name="Title 1">
+            <a:extLst>
+              <a:ext uri="{FF2B5EF4-FFF2-40B4-BE49-F238E27FC236}">
+                <a16:creationId xmlns:a16="http://schemas.microsoft.com/office/drawing/2014/main" id="{5287D99A-B9EC-4330-974D-DCAE3024ABCF}"/>
+              </a:ext>
+            </a:extLst>
+          </p:cNvPr>
+          <p:cNvSpPr>
+            <a:spLocks noGrp="1"/>
+          </p:cNvSpPr>
+          <p:nvPr>
+            <p:ph type="title"/>
+          </p:nvPr>
+        </p:nvSpPr>
+        <p:spPr/>
+        <p:txBody>
+          <a:bodyPr/>
+          <a:lstStyle/>
+          <a:p>
+            <a:r>
+              <a:rPr lang="en-US" b="1" dirty="0"/>
+              <a:t>(MoS2)</a:t>
+            </a:r>
+            <a:r>
+              <a:rPr lang="en-US" dirty="0"/>
+              <a:t> W event 3-5 dwell time histogram and T event 3-5 dwell time histogram</a:t>
+            </a:r>
+            <a:endParaRPr lang="en-US" b="1" dirty="0"/>
+          </a:p>
+        </p:txBody>
+      </p:sp>
+      <p:sp>
+        <p:nvSpPr>
+          <p:cNvPr id="13" name="TextBox 12">
+            <a:extLst>
+              <a:ext uri="{FF2B5EF4-FFF2-40B4-BE49-F238E27FC236}">
+                <a16:creationId xmlns:a16="http://schemas.microsoft.com/office/drawing/2014/main" id="{A60F55CD-C81E-4B65-B94B-0121B97A598A}"/>
+              </a:ext>
+            </a:extLst>
+          </p:cNvPr>
+          <p:cNvSpPr txBox="1"/>
+          <p:nvPr/>
+        </p:nvSpPr>
+        <p:spPr>
+          <a:xfrm>
+            <a:off x="1736521" y="1617817"/>
+            <a:ext cx="10107950" cy="523220"/>
+          </a:xfrm>
+          <a:prstGeom prst="rect">
+            <a:avLst/>
+          </a:prstGeom>
+          <a:noFill/>
+        </p:spPr>
+        <p:txBody>
+          <a:bodyPr wrap="square" rtlCol="0">
+            <a:spAutoFit/>
+          </a:bodyPr>
+          <a:lstStyle/>
+          <a:p>
+            <a:r>
+              <a:rPr lang="en-US" sz="1400" dirty="0"/>
+              <a:t>It seems like DNA stays slightly longer in MoS2 in T event? Which is probably because the length of DNA explanation from slide 3 again. Not fully sure here.</a:t>
+            </a:r>
+          </a:p>
+        </p:txBody>
+      </p:sp>
+      <p:sp>
+        <p:nvSpPr>
+          <p:cNvPr id="14" name="TextBox 13">
+            <a:extLst>
+              <a:ext uri="{FF2B5EF4-FFF2-40B4-BE49-F238E27FC236}">
+                <a16:creationId xmlns:a16="http://schemas.microsoft.com/office/drawing/2014/main" id="{5D7773B3-EB78-40E5-88FF-26454CCC006B}"/>
+              </a:ext>
+            </a:extLst>
+          </p:cNvPr>
+          <p:cNvSpPr txBox="1"/>
+          <p:nvPr/>
+        </p:nvSpPr>
+        <p:spPr>
+          <a:xfrm>
+            <a:off x="9528561" y="2864608"/>
+            <a:ext cx="1512606" cy="646331"/>
+          </a:xfrm>
+          <a:prstGeom prst="rect">
+            <a:avLst/>
+          </a:prstGeom>
+          <a:noFill/>
+        </p:spPr>
+        <p:txBody>
+          <a:bodyPr wrap="square" rtlCol="0">
+            <a:spAutoFit/>
+          </a:bodyPr>
+          <a:lstStyle/>
+          <a:p>
+            <a:r>
+              <a:rPr lang="en-US" dirty="0"/>
+              <a:t>Standard Dev: 0.0476</a:t>
+            </a:r>
+          </a:p>
+        </p:txBody>
+      </p:sp>
+      <p:sp>
+        <p:nvSpPr>
+          <p:cNvPr id="15" name="TextBox 14">
+            <a:extLst>
+              <a:ext uri="{FF2B5EF4-FFF2-40B4-BE49-F238E27FC236}">
+                <a16:creationId xmlns:a16="http://schemas.microsoft.com/office/drawing/2014/main" id="{B1C3C4C1-A9C1-407C-B3D1-7F11742170B4}"/>
+              </a:ext>
+            </a:extLst>
+          </p:cNvPr>
+          <p:cNvSpPr txBox="1"/>
+          <p:nvPr/>
+        </p:nvSpPr>
+        <p:spPr>
+          <a:xfrm>
+            <a:off x="4501809" y="2864607"/>
+            <a:ext cx="1506043" cy="646331"/>
+          </a:xfrm>
+          <a:prstGeom prst="rect">
+            <a:avLst/>
+          </a:prstGeom>
+          <a:noFill/>
+        </p:spPr>
+        <p:txBody>
+          <a:bodyPr wrap="square" rtlCol="0">
+            <a:spAutoFit/>
+          </a:bodyPr>
+          <a:lstStyle/>
+          <a:p>
+            <a:r>
+              <a:rPr lang="en-US" dirty="0"/>
+              <a:t>Standard Dev: 0.0179</a:t>
+            </a:r>
+          </a:p>
+        </p:txBody>
+      </p:sp>
+      <p:sp>
+        <p:nvSpPr>
+          <p:cNvPr id="16" name="TextBox 15">
+            <a:extLst>
+              <a:ext uri="{FF2B5EF4-FFF2-40B4-BE49-F238E27FC236}">
+                <a16:creationId xmlns:a16="http://schemas.microsoft.com/office/drawing/2014/main" id="{1FE9EF6A-B4E8-4411-B66A-6776BFB2C43E}"/>
+              </a:ext>
+            </a:extLst>
+          </p:cNvPr>
+          <p:cNvSpPr txBox="1"/>
+          <p:nvPr/>
+        </p:nvSpPr>
+        <p:spPr>
+          <a:xfrm>
+            <a:off x="3887907" y="5820282"/>
+            <a:ext cx="1872817" cy="369332"/>
+          </a:xfrm>
+          <a:prstGeom prst="rect">
+            <a:avLst/>
+          </a:prstGeom>
+          <a:noFill/>
+        </p:spPr>
+        <p:txBody>
+          <a:bodyPr wrap="square">
+            <a:spAutoFit/>
+          </a:bodyPr>
+          <a:lstStyle/>
+          <a:p>
+            <a:r>
+              <a:rPr lang="en-US" dirty="0"/>
+              <a:t>FWHM: 0</a:t>
+            </a:r>
+          </a:p>
+        </p:txBody>
+      </p:sp>
+      <p:sp>
+        <p:nvSpPr>
+          <p:cNvPr id="19" name="TextBox 18">
+            <a:extLst>
+              <a:ext uri="{FF2B5EF4-FFF2-40B4-BE49-F238E27FC236}">
+                <a16:creationId xmlns:a16="http://schemas.microsoft.com/office/drawing/2014/main" id="{4CE7FB40-D8CD-4587-926E-06BD34AF52E3}"/>
+              </a:ext>
+            </a:extLst>
+          </p:cNvPr>
+          <p:cNvSpPr txBox="1"/>
+          <p:nvPr/>
+        </p:nvSpPr>
+        <p:spPr>
+          <a:xfrm>
+            <a:off x="8459906" y="5797757"/>
+            <a:ext cx="1721324" cy="369332"/>
+          </a:xfrm>
+          <a:prstGeom prst="rect">
+            <a:avLst/>
+          </a:prstGeom>
+          <a:noFill/>
+        </p:spPr>
+        <p:txBody>
+          <a:bodyPr wrap="square">
+            <a:spAutoFit/>
+          </a:bodyPr>
+          <a:lstStyle/>
+          <a:p>
+            <a:r>
+              <a:rPr lang="en-US" dirty="0"/>
+              <a:t>FWHM: 0.0479</a:t>
+            </a:r>
+          </a:p>
+        </p:txBody>
+      </p:sp>
+      <p:pic>
+        <p:nvPicPr>
+          <p:cNvPr id="10" name="Picture 9">
+            <a:extLst>
+              <a:ext uri="{FF2B5EF4-FFF2-40B4-BE49-F238E27FC236}">
+                <a16:creationId xmlns:a16="http://schemas.microsoft.com/office/drawing/2014/main" id="{66F8AF17-7456-4B49-BCDD-CD9EB573390E}"/>
+              </a:ext>
+            </a:extLst>
+          </p:cNvPr>
+          <p:cNvPicPr>
+            <a:picLocks noChangeAspect="1"/>
+          </p:cNvPicPr>
+          <p:nvPr/>
+        </p:nvPicPr>
+        <p:blipFill>
+          <a:blip r:embed="rId2"/>
+          <a:stretch>
+            <a:fillRect/>
+          </a:stretch>
+        </p:blipFill>
+        <p:spPr>
+          <a:xfrm>
+            <a:off x="1690707" y="4872658"/>
+            <a:ext cx="2163763" cy="1895247"/>
+          </a:xfrm>
+          <a:prstGeom prst="rect">
+            <a:avLst/>
+          </a:prstGeom>
+          <a:ln w="38100">
+            <a:solidFill>
+              <a:srgbClr val="FF0000"/>
+            </a:solidFill>
+          </a:ln>
+        </p:spPr>
+      </p:pic>
+      <p:pic>
+        <p:nvPicPr>
+          <p:cNvPr id="21" name="Picture 20">
+            <a:extLst>
+              <a:ext uri="{FF2B5EF4-FFF2-40B4-BE49-F238E27FC236}">
+                <a16:creationId xmlns:a16="http://schemas.microsoft.com/office/drawing/2014/main" id="{DAC5F76B-773A-4CD4-8BD7-FCD67CD7E1B0}"/>
+              </a:ext>
+            </a:extLst>
+          </p:cNvPr>
+          <p:cNvPicPr>
+            <a:picLocks noChangeAspect="1"/>
+          </p:cNvPicPr>
+          <p:nvPr/>
+        </p:nvPicPr>
+        <p:blipFill>
+          <a:blip r:embed="rId3"/>
+          <a:stretch>
+            <a:fillRect/>
+          </a:stretch>
+        </p:blipFill>
+        <p:spPr>
+          <a:xfrm>
+            <a:off x="6306290" y="4990260"/>
+            <a:ext cx="2031242" cy="1777645"/>
+          </a:xfrm>
+          <a:prstGeom prst="rect">
+            <a:avLst/>
+          </a:prstGeom>
+          <a:ln w="38100">
+            <a:solidFill>
+              <a:srgbClr val="FF0000"/>
+            </a:solidFill>
+          </a:ln>
+        </p:spPr>
+      </p:pic>
+      <p:pic>
+        <p:nvPicPr>
+          <p:cNvPr id="23" name="Picture 22">
+            <a:extLst>
+              <a:ext uri="{FF2B5EF4-FFF2-40B4-BE49-F238E27FC236}">
+                <a16:creationId xmlns:a16="http://schemas.microsoft.com/office/drawing/2014/main" id="{1E28035C-6B3C-4860-97A7-9520C6C76241}"/>
+              </a:ext>
+            </a:extLst>
+          </p:cNvPr>
+          <p:cNvPicPr>
+            <a:picLocks noChangeAspect="1"/>
+          </p:cNvPicPr>
+          <p:nvPr/>
+        </p:nvPicPr>
+        <p:blipFill>
+          <a:blip r:embed="rId4"/>
+          <a:stretch>
+            <a:fillRect/>
+          </a:stretch>
+        </p:blipFill>
+        <p:spPr>
+          <a:xfrm>
+            <a:off x="1580795" y="2279519"/>
+            <a:ext cx="2756834" cy="2437445"/>
+          </a:xfrm>
+          <a:prstGeom prst="rect">
+            <a:avLst/>
+          </a:prstGeom>
+        </p:spPr>
+      </p:pic>
+      <p:pic>
+        <p:nvPicPr>
+          <p:cNvPr id="25" name="Picture 24">
+            <a:extLst>
+              <a:ext uri="{FF2B5EF4-FFF2-40B4-BE49-F238E27FC236}">
+                <a16:creationId xmlns:a16="http://schemas.microsoft.com/office/drawing/2014/main" id="{480E4A6C-1394-4F3B-8F11-7344083752B7}"/>
+              </a:ext>
+            </a:extLst>
+          </p:cNvPr>
+          <p:cNvPicPr>
+            <a:picLocks noChangeAspect="1"/>
+          </p:cNvPicPr>
+          <p:nvPr/>
+        </p:nvPicPr>
+        <p:blipFill>
+          <a:blip r:embed="rId5"/>
+          <a:stretch>
+            <a:fillRect/>
+          </a:stretch>
+        </p:blipFill>
+        <p:spPr>
+          <a:xfrm>
+            <a:off x="6439747" y="2318878"/>
+            <a:ext cx="2781473" cy="2384120"/>
+          </a:xfrm>
+          <a:prstGeom prst="rect">
+            <a:avLst/>
+          </a:prstGeom>
+        </p:spPr>
+      </p:pic>
+    </p:spTree>
+    <p:extLst>
+      <p:ext uri="{BB962C8B-B14F-4D97-AF65-F5344CB8AC3E}">
+        <p14:creationId xmlns:p14="http://schemas.microsoft.com/office/powerpoint/2010/main" val="2144142734"/>
       </p:ext>
     </p:extLst>
   </p:cSld>
